--- a/TestImage.pptx
+++ b/TestImage.pptx
@@ -8,6 +8,7 @@
     <p:sldId id="256" r:id="rId2"/>
     <p:sldId id="257" r:id="rId3"/>
     <p:sldId id="258" r:id="rId4"/>
+    <p:sldId id="259" r:id="rId5"/>
   </p:sldIdLst>
   <p:sldSz cx="12192000" cy="6858000"/>
   <p:notesSz cx="6858000" cy="9144000"/>
@@ -106,6 +107,11 @@
       </a:defRPr>
     </a:lvl9pPr>
   </p:defaultTextStyle>
+  <p:extLst>
+    <p:ext uri="{EFAFB233-063F-42B5-8137-9DF3F51BA10A}">
+      <p15:sldGuideLst xmlns:p15="http://schemas.microsoft.com/office/powerpoint/2012/main"/>
+    </p:ext>
+  </p:extLst>
 </p:presentation>
 </file>
 
@@ -256,7 +262,7 @@
           <a:p>
             <a:fld id="{2F6B625A-32EE-2248-9423-7363B0CCF293}" type="datetimeFigureOut">
               <a:rPr lang="fr-FR" smtClean="0"/>
-              <a:t>30/07/2025</a:t>
+              <a:t>10/08/2025</a:t>
             </a:fld>
             <a:endParaRPr lang="fr-FR" dirty="0"/>
           </a:p>
@@ -454,7 +460,7 @@
           <a:p>
             <a:fld id="{2F6B625A-32EE-2248-9423-7363B0CCF293}" type="datetimeFigureOut">
               <a:rPr lang="fr-FR" smtClean="0"/>
-              <a:t>30/07/2025</a:t>
+              <a:t>10/08/2025</a:t>
             </a:fld>
             <a:endParaRPr lang="fr-FR" dirty="0"/>
           </a:p>
@@ -662,7 +668,7 @@
           <a:p>
             <a:fld id="{2F6B625A-32EE-2248-9423-7363B0CCF293}" type="datetimeFigureOut">
               <a:rPr lang="fr-FR" smtClean="0"/>
-              <a:t>30/07/2025</a:t>
+              <a:t>10/08/2025</a:t>
             </a:fld>
             <a:endParaRPr lang="fr-FR" dirty="0"/>
           </a:p>
@@ -860,7 +866,7 @@
           <a:p>
             <a:fld id="{2F6B625A-32EE-2248-9423-7363B0CCF293}" type="datetimeFigureOut">
               <a:rPr lang="fr-FR" smtClean="0"/>
-              <a:t>30/07/2025</a:t>
+              <a:t>10/08/2025</a:t>
             </a:fld>
             <a:endParaRPr lang="fr-FR" dirty="0"/>
           </a:p>
@@ -1135,7 +1141,7 @@
           <a:p>
             <a:fld id="{2F6B625A-32EE-2248-9423-7363B0CCF293}" type="datetimeFigureOut">
               <a:rPr lang="fr-FR" smtClean="0"/>
-              <a:t>30/07/2025</a:t>
+              <a:t>10/08/2025</a:t>
             </a:fld>
             <a:endParaRPr lang="fr-FR" dirty="0"/>
           </a:p>
@@ -1400,7 +1406,7 @@
           <a:p>
             <a:fld id="{2F6B625A-32EE-2248-9423-7363B0CCF293}" type="datetimeFigureOut">
               <a:rPr lang="fr-FR" smtClean="0"/>
-              <a:t>30/07/2025</a:t>
+              <a:t>10/08/2025</a:t>
             </a:fld>
             <a:endParaRPr lang="fr-FR" dirty="0"/>
           </a:p>
@@ -1812,7 +1818,7 @@
           <a:p>
             <a:fld id="{2F6B625A-32EE-2248-9423-7363B0CCF293}" type="datetimeFigureOut">
               <a:rPr lang="fr-FR" smtClean="0"/>
-              <a:t>30/07/2025</a:t>
+              <a:t>10/08/2025</a:t>
             </a:fld>
             <a:endParaRPr lang="fr-FR" dirty="0"/>
           </a:p>
@@ -1953,7 +1959,7 @@
           <a:p>
             <a:fld id="{2F6B625A-32EE-2248-9423-7363B0CCF293}" type="datetimeFigureOut">
               <a:rPr lang="fr-FR" smtClean="0"/>
-              <a:t>30/07/2025</a:t>
+              <a:t>10/08/2025</a:t>
             </a:fld>
             <a:endParaRPr lang="fr-FR" dirty="0"/>
           </a:p>
@@ -2066,7 +2072,7 @@
           <a:p>
             <a:fld id="{2F6B625A-32EE-2248-9423-7363B0CCF293}" type="datetimeFigureOut">
               <a:rPr lang="fr-FR" smtClean="0"/>
-              <a:t>30/07/2025</a:t>
+              <a:t>10/08/2025</a:t>
             </a:fld>
             <a:endParaRPr lang="fr-FR" dirty="0"/>
           </a:p>
@@ -2377,7 +2383,7 @@
           <a:p>
             <a:fld id="{2F6B625A-32EE-2248-9423-7363B0CCF293}" type="datetimeFigureOut">
               <a:rPr lang="fr-FR" smtClean="0"/>
-              <a:t>30/07/2025</a:t>
+              <a:t>10/08/2025</a:t>
             </a:fld>
             <a:endParaRPr lang="fr-FR" dirty="0"/>
           </a:p>
@@ -2665,7 +2671,7 @@
           <a:p>
             <a:fld id="{2F6B625A-32EE-2248-9423-7363B0CCF293}" type="datetimeFigureOut">
               <a:rPr lang="fr-FR" smtClean="0"/>
-              <a:t>30/07/2025</a:t>
+              <a:t>10/08/2025</a:t>
             </a:fld>
             <a:endParaRPr lang="fr-FR" dirty="0"/>
           </a:p>
@@ -2906,7 +2912,7 @@
           <a:p>
             <a:fld id="{2F6B625A-32EE-2248-9423-7363B0CCF293}" type="datetimeFigureOut">
               <a:rPr lang="fr-FR" smtClean="0"/>
-              <a:t>30/07/2025</a:t>
+              <a:t>10/08/2025</a:t>
             </a:fld>
             <a:endParaRPr lang="fr-FR" dirty="0"/>
           </a:p>
@@ -8388,29 +8394,3277 @@
       </p:grpSpPr>
       <p:cxnSp>
         <p:nvCxnSpPr>
-          <p:cNvPr id="3" name="Connecteur droit avec flèche 2">
-            <a:extLst>
-              <a:ext uri="{FF2B5EF4-FFF2-40B4-BE49-F238E27FC236}">
-                <a16:creationId xmlns:a16="http://schemas.microsoft.com/office/drawing/2014/main" id="{83144737-51B3-6A0A-58B6-254DDAE0EE45}"/>
-              </a:ext>
-            </a:extLst>
-          </p:cNvPr>
-          <p:cNvCxnSpPr/>
+          <p:cNvPr id="4" name="Connecteur droit 3">
+            <a:extLst>
+              <a:ext uri="{FF2B5EF4-FFF2-40B4-BE49-F238E27FC236}">
+                <a16:creationId xmlns:a16="http://schemas.microsoft.com/office/drawing/2014/main" id="{20FFDFF3-0AA9-4A00-BEA9-7F20288E8252}"/>
+              </a:ext>
+            </a:extLst>
+          </p:cNvPr>
+          <p:cNvCxnSpPr>
+            <a:cxnSpLocks/>
+          </p:cNvCxnSpPr>
           <p:nvPr/>
         </p:nvCxnSpPr>
         <p:spPr>
-          <a:xfrm flipV="1">
-            <a:off x="1172308" y="1289538"/>
-            <a:ext cx="0" cy="4173416"/>
-          </a:xfrm>
-          <a:prstGeom prst="straightConnector1">
+          <a:xfrm>
+            <a:off x="1543050" y="1555391"/>
+            <a:ext cx="480060" cy="0"/>
+          </a:xfrm>
+          <a:prstGeom prst="line">
             <a:avLst/>
           </a:prstGeom>
           <a:ln>
             <a:solidFill>
               <a:schemeClr val="tx1"/>
             </a:solidFill>
+          </a:ln>
+        </p:spPr>
+        <p:style>
+          <a:lnRef idx="2">
+            <a:schemeClr val="accent1"/>
+          </a:lnRef>
+          <a:fillRef idx="0">
+            <a:schemeClr val="accent1"/>
+          </a:fillRef>
+          <a:effectRef idx="1">
+            <a:schemeClr val="accent1"/>
+          </a:effectRef>
+          <a:fontRef idx="minor">
+            <a:schemeClr val="tx1"/>
+          </a:fontRef>
+        </p:style>
+      </p:cxnSp>
+      <p:cxnSp>
+        <p:nvCxnSpPr>
+          <p:cNvPr id="5" name="Connecteur droit 4">
+            <a:extLst>
+              <a:ext uri="{FF2B5EF4-FFF2-40B4-BE49-F238E27FC236}">
+                <a16:creationId xmlns:a16="http://schemas.microsoft.com/office/drawing/2014/main" id="{CF3FDC65-F9DC-3429-48A0-B04CAED06D81}"/>
+              </a:ext>
+            </a:extLst>
+          </p:cNvPr>
+          <p:cNvCxnSpPr>
+            <a:cxnSpLocks/>
+          </p:cNvCxnSpPr>
+          <p:nvPr/>
+        </p:nvCxnSpPr>
+        <p:spPr>
+          <a:xfrm>
+            <a:off x="2484120" y="1555391"/>
+            <a:ext cx="480060" cy="0"/>
+          </a:xfrm>
+          <a:prstGeom prst="line">
+            <a:avLst/>
+          </a:prstGeom>
+          <a:ln>
+            <a:solidFill>
+              <a:schemeClr val="tx1"/>
+            </a:solidFill>
+          </a:ln>
+        </p:spPr>
+        <p:style>
+          <a:lnRef idx="2">
+            <a:schemeClr val="accent1"/>
+          </a:lnRef>
+          <a:fillRef idx="0">
+            <a:schemeClr val="accent1"/>
+          </a:fillRef>
+          <a:effectRef idx="1">
+            <a:schemeClr val="accent1"/>
+          </a:effectRef>
+          <a:fontRef idx="minor">
+            <a:schemeClr val="tx1"/>
+          </a:fontRef>
+        </p:style>
+      </p:cxnSp>
+      <p:cxnSp>
+        <p:nvCxnSpPr>
+          <p:cNvPr id="6" name="Connecteur droit 5">
+            <a:extLst>
+              <a:ext uri="{FF2B5EF4-FFF2-40B4-BE49-F238E27FC236}">
+                <a16:creationId xmlns:a16="http://schemas.microsoft.com/office/drawing/2014/main" id="{2948F793-1FDF-CFFC-4D21-EE8EA003FC6F}"/>
+              </a:ext>
+            </a:extLst>
+          </p:cNvPr>
+          <p:cNvCxnSpPr>
+            <a:cxnSpLocks/>
+          </p:cNvCxnSpPr>
+          <p:nvPr/>
+        </p:nvCxnSpPr>
+        <p:spPr>
+          <a:xfrm>
+            <a:off x="5154930" y="1555390"/>
+            <a:ext cx="480060" cy="0"/>
+          </a:xfrm>
+          <a:prstGeom prst="line">
+            <a:avLst/>
+          </a:prstGeom>
+          <a:ln>
+            <a:solidFill>
+              <a:schemeClr val="tx1"/>
+            </a:solidFill>
+          </a:ln>
+        </p:spPr>
+        <p:style>
+          <a:lnRef idx="2">
+            <a:schemeClr val="accent1"/>
+          </a:lnRef>
+          <a:fillRef idx="0">
+            <a:schemeClr val="accent1"/>
+          </a:fillRef>
+          <a:effectRef idx="1">
+            <a:schemeClr val="accent1"/>
+          </a:effectRef>
+          <a:fontRef idx="minor">
+            <a:schemeClr val="tx1"/>
+          </a:fontRef>
+        </p:style>
+      </p:cxnSp>
+      <p:cxnSp>
+        <p:nvCxnSpPr>
+          <p:cNvPr id="7" name="Connecteur droit 6">
+            <a:extLst>
+              <a:ext uri="{FF2B5EF4-FFF2-40B4-BE49-F238E27FC236}">
+                <a16:creationId xmlns:a16="http://schemas.microsoft.com/office/drawing/2014/main" id="{F3E4E010-44E5-E2C9-F18B-486ACF92F55B}"/>
+              </a:ext>
+            </a:extLst>
+          </p:cNvPr>
+          <p:cNvCxnSpPr>
+            <a:cxnSpLocks/>
+          </p:cNvCxnSpPr>
+          <p:nvPr/>
+        </p:nvCxnSpPr>
+        <p:spPr>
+          <a:xfrm>
+            <a:off x="6096000" y="1555390"/>
+            <a:ext cx="480060" cy="0"/>
+          </a:xfrm>
+          <a:prstGeom prst="line">
+            <a:avLst/>
+          </a:prstGeom>
+          <a:ln>
+            <a:solidFill>
+              <a:schemeClr val="tx1"/>
+            </a:solidFill>
+          </a:ln>
+        </p:spPr>
+        <p:style>
+          <a:lnRef idx="2">
+            <a:schemeClr val="accent1"/>
+          </a:lnRef>
+          <a:fillRef idx="0">
+            <a:schemeClr val="accent1"/>
+          </a:fillRef>
+          <a:effectRef idx="1">
+            <a:schemeClr val="accent1"/>
+          </a:effectRef>
+          <a:fontRef idx="minor">
+            <a:schemeClr val="tx1"/>
+          </a:fontRef>
+        </p:style>
+      </p:cxnSp>
+      <p:cxnSp>
+        <p:nvCxnSpPr>
+          <p:cNvPr id="9" name="Connecteur droit avec flèche 8">
+            <a:extLst>
+              <a:ext uri="{FF2B5EF4-FFF2-40B4-BE49-F238E27FC236}">
+                <a16:creationId xmlns:a16="http://schemas.microsoft.com/office/drawing/2014/main" id="{17728047-83C6-F303-AF6B-D04E06A54C57}"/>
+              </a:ext>
+            </a:extLst>
+          </p:cNvPr>
+          <p:cNvCxnSpPr/>
+          <p:nvPr/>
+        </p:nvCxnSpPr>
+        <p:spPr>
+          <a:xfrm>
+            <a:off x="3577590" y="1565910"/>
+            <a:ext cx="914400" cy="0"/>
+          </a:xfrm>
+          <a:prstGeom prst="straightConnector1">
+            <a:avLst/>
+          </a:prstGeom>
+          <a:ln w="28575">
+            <a:solidFill>
+              <a:srgbClr val="FF0000"/>
+            </a:solidFill>
             <a:tailEnd type="triangle"/>
+          </a:ln>
+        </p:spPr>
+        <p:style>
+          <a:lnRef idx="2">
+            <a:schemeClr val="accent1"/>
+          </a:lnRef>
+          <a:fillRef idx="0">
+            <a:schemeClr val="accent1"/>
+          </a:fillRef>
+          <a:effectRef idx="1">
+            <a:schemeClr val="accent1"/>
+          </a:effectRef>
+          <a:fontRef idx="minor">
+            <a:schemeClr val="tx1"/>
+          </a:fontRef>
+        </p:style>
+      </p:cxnSp>
+      <p:cxnSp>
+        <p:nvCxnSpPr>
+          <p:cNvPr id="10" name="Connecteur droit 9">
+            <a:extLst>
+              <a:ext uri="{FF2B5EF4-FFF2-40B4-BE49-F238E27FC236}">
+                <a16:creationId xmlns:a16="http://schemas.microsoft.com/office/drawing/2014/main" id="{64D21067-06E9-EECE-C23A-CA77B8561AFD}"/>
+              </a:ext>
+            </a:extLst>
+          </p:cNvPr>
+          <p:cNvCxnSpPr>
+            <a:cxnSpLocks/>
+          </p:cNvCxnSpPr>
+          <p:nvPr/>
+        </p:nvCxnSpPr>
+        <p:spPr>
+          <a:xfrm>
+            <a:off x="877956" y="2725102"/>
+            <a:ext cx="480060" cy="0"/>
+          </a:xfrm>
+          <a:prstGeom prst="line">
+            <a:avLst/>
+          </a:prstGeom>
+          <a:ln>
+            <a:solidFill>
+              <a:schemeClr val="tx1"/>
+            </a:solidFill>
+          </a:ln>
+        </p:spPr>
+        <p:style>
+          <a:lnRef idx="2">
+            <a:schemeClr val="accent1"/>
+          </a:lnRef>
+          <a:fillRef idx="0">
+            <a:schemeClr val="accent1"/>
+          </a:fillRef>
+          <a:effectRef idx="1">
+            <a:schemeClr val="accent1"/>
+          </a:effectRef>
+          <a:fontRef idx="minor">
+            <a:schemeClr val="tx1"/>
+          </a:fontRef>
+        </p:style>
+      </p:cxnSp>
+      <p:cxnSp>
+        <p:nvCxnSpPr>
+          <p:cNvPr id="11" name="Connecteur droit 10">
+            <a:extLst>
+              <a:ext uri="{FF2B5EF4-FFF2-40B4-BE49-F238E27FC236}">
+                <a16:creationId xmlns:a16="http://schemas.microsoft.com/office/drawing/2014/main" id="{72E0462F-902D-378E-4506-3161C17AE71A}"/>
+              </a:ext>
+            </a:extLst>
+          </p:cNvPr>
+          <p:cNvCxnSpPr>
+            <a:cxnSpLocks/>
+          </p:cNvCxnSpPr>
+          <p:nvPr/>
+        </p:nvCxnSpPr>
+        <p:spPr>
+          <a:xfrm>
+            <a:off x="1819026" y="2725102"/>
+            <a:ext cx="480060" cy="0"/>
+          </a:xfrm>
+          <a:prstGeom prst="line">
+            <a:avLst/>
+          </a:prstGeom>
+          <a:ln>
+            <a:solidFill>
+              <a:schemeClr val="tx1"/>
+            </a:solidFill>
+          </a:ln>
+        </p:spPr>
+        <p:style>
+          <a:lnRef idx="2">
+            <a:schemeClr val="accent1"/>
+          </a:lnRef>
+          <a:fillRef idx="0">
+            <a:schemeClr val="accent1"/>
+          </a:fillRef>
+          <a:effectRef idx="1">
+            <a:schemeClr val="accent1"/>
+          </a:effectRef>
+          <a:fontRef idx="minor">
+            <a:schemeClr val="tx1"/>
+          </a:fontRef>
+        </p:style>
+      </p:cxnSp>
+      <p:cxnSp>
+        <p:nvCxnSpPr>
+          <p:cNvPr id="12" name="Connecteur droit 11">
+            <a:extLst>
+              <a:ext uri="{FF2B5EF4-FFF2-40B4-BE49-F238E27FC236}">
+                <a16:creationId xmlns:a16="http://schemas.microsoft.com/office/drawing/2014/main" id="{546089F4-14A2-A996-4656-A07C55EAB010}"/>
+              </a:ext>
+            </a:extLst>
+          </p:cNvPr>
+          <p:cNvCxnSpPr>
+            <a:cxnSpLocks/>
+          </p:cNvCxnSpPr>
+          <p:nvPr/>
+        </p:nvCxnSpPr>
+        <p:spPr>
+          <a:xfrm>
+            <a:off x="5606166" y="2698640"/>
+            <a:ext cx="480060" cy="0"/>
+          </a:xfrm>
+          <a:prstGeom prst="line">
+            <a:avLst/>
+          </a:prstGeom>
+          <a:ln>
+            <a:solidFill>
+              <a:schemeClr val="tx1"/>
+            </a:solidFill>
+          </a:ln>
+        </p:spPr>
+        <p:style>
+          <a:lnRef idx="2">
+            <a:schemeClr val="accent1"/>
+          </a:lnRef>
+          <a:fillRef idx="0">
+            <a:schemeClr val="accent1"/>
+          </a:fillRef>
+          <a:effectRef idx="1">
+            <a:schemeClr val="accent1"/>
+          </a:effectRef>
+          <a:fontRef idx="minor">
+            <a:schemeClr val="tx1"/>
+          </a:fontRef>
+        </p:style>
+      </p:cxnSp>
+      <p:cxnSp>
+        <p:nvCxnSpPr>
+          <p:cNvPr id="13" name="Connecteur droit 12">
+            <a:extLst>
+              <a:ext uri="{FF2B5EF4-FFF2-40B4-BE49-F238E27FC236}">
+                <a16:creationId xmlns:a16="http://schemas.microsoft.com/office/drawing/2014/main" id="{9ED99C83-8908-B79D-DF3E-FA963C22790B}"/>
+              </a:ext>
+            </a:extLst>
+          </p:cNvPr>
+          <p:cNvCxnSpPr>
+            <a:cxnSpLocks/>
+          </p:cNvCxnSpPr>
+          <p:nvPr/>
+        </p:nvCxnSpPr>
+        <p:spPr>
+          <a:xfrm>
+            <a:off x="6547236" y="2698640"/>
+            <a:ext cx="480060" cy="0"/>
+          </a:xfrm>
+          <a:prstGeom prst="line">
+            <a:avLst/>
+          </a:prstGeom>
+          <a:ln>
+            <a:solidFill>
+              <a:schemeClr val="tx1"/>
+            </a:solidFill>
+          </a:ln>
+        </p:spPr>
+        <p:style>
+          <a:lnRef idx="2">
+            <a:schemeClr val="accent1"/>
+          </a:lnRef>
+          <a:fillRef idx="0">
+            <a:schemeClr val="accent1"/>
+          </a:fillRef>
+          <a:effectRef idx="1">
+            <a:schemeClr val="accent1"/>
+          </a:effectRef>
+          <a:fontRef idx="minor">
+            <a:schemeClr val="tx1"/>
+          </a:fontRef>
+        </p:style>
+      </p:cxnSp>
+      <p:cxnSp>
+        <p:nvCxnSpPr>
+          <p:cNvPr id="15" name="Connecteur droit avec flèche 14">
+            <a:extLst>
+              <a:ext uri="{FF2B5EF4-FFF2-40B4-BE49-F238E27FC236}">
+                <a16:creationId xmlns:a16="http://schemas.microsoft.com/office/drawing/2014/main" id="{30BA50B3-C06D-AF45-20D9-9D5E3D37AEA8}"/>
+              </a:ext>
+            </a:extLst>
+          </p:cNvPr>
+          <p:cNvCxnSpPr/>
+          <p:nvPr/>
+        </p:nvCxnSpPr>
+        <p:spPr>
+          <a:xfrm flipV="1">
+            <a:off x="2710401" y="2194560"/>
+            <a:ext cx="525780" cy="537210"/>
+          </a:xfrm>
+          <a:prstGeom prst="straightConnector1">
+            <a:avLst/>
+          </a:prstGeom>
+          <a:ln w="28575">
+            <a:solidFill>
+              <a:srgbClr val="FF0000"/>
+            </a:solidFill>
+            <a:tailEnd type="triangle"/>
+          </a:ln>
+        </p:spPr>
+        <p:style>
+          <a:lnRef idx="2">
+            <a:schemeClr val="accent1"/>
+          </a:lnRef>
+          <a:fillRef idx="0">
+            <a:schemeClr val="accent1"/>
+          </a:fillRef>
+          <a:effectRef idx="1">
+            <a:schemeClr val="accent1"/>
+          </a:effectRef>
+          <a:fontRef idx="minor">
+            <a:schemeClr val="tx1"/>
+          </a:fontRef>
+        </p:style>
+      </p:cxnSp>
+      <p:cxnSp>
+        <p:nvCxnSpPr>
+          <p:cNvPr id="16" name="Connecteur droit avec flèche 15">
+            <a:extLst>
+              <a:ext uri="{FF2B5EF4-FFF2-40B4-BE49-F238E27FC236}">
+                <a16:creationId xmlns:a16="http://schemas.microsoft.com/office/drawing/2014/main" id="{39CD002F-7123-3694-3552-29A02BD6F028}"/>
+              </a:ext>
+            </a:extLst>
+          </p:cNvPr>
+          <p:cNvCxnSpPr>
+            <a:cxnSpLocks/>
+          </p:cNvCxnSpPr>
+          <p:nvPr/>
+        </p:nvCxnSpPr>
+        <p:spPr>
+          <a:xfrm rot="5400000" flipV="1">
+            <a:off x="2716116" y="2718435"/>
+            <a:ext cx="525780" cy="537210"/>
+          </a:xfrm>
+          <a:prstGeom prst="straightConnector1">
+            <a:avLst/>
+          </a:prstGeom>
+          <a:ln w="28575">
+            <a:solidFill>
+              <a:srgbClr val="FF0000"/>
+            </a:solidFill>
+            <a:tailEnd type="triangle"/>
+          </a:ln>
+        </p:spPr>
+        <p:style>
+          <a:lnRef idx="2">
+            <a:schemeClr val="accent1"/>
+          </a:lnRef>
+          <a:fillRef idx="0">
+            <a:schemeClr val="accent1"/>
+          </a:fillRef>
+          <a:effectRef idx="1">
+            <a:schemeClr val="accent1"/>
+          </a:effectRef>
+          <a:fontRef idx="minor">
+            <a:schemeClr val="tx1"/>
+          </a:fontRef>
+        </p:style>
+      </p:cxnSp>
+      <p:cxnSp>
+        <p:nvCxnSpPr>
+          <p:cNvPr id="17" name="Connecteur droit 16">
+            <a:extLst>
+              <a:ext uri="{FF2B5EF4-FFF2-40B4-BE49-F238E27FC236}">
+                <a16:creationId xmlns:a16="http://schemas.microsoft.com/office/drawing/2014/main" id="{40FF49CB-927E-196B-B705-84E509DAB085}"/>
+              </a:ext>
+            </a:extLst>
+          </p:cNvPr>
+          <p:cNvCxnSpPr/>
+          <p:nvPr/>
+        </p:nvCxnSpPr>
+        <p:spPr>
+          <a:xfrm>
+            <a:off x="3300951" y="3429000"/>
+            <a:ext cx="480060" cy="0"/>
+          </a:xfrm>
+          <a:prstGeom prst="line">
+            <a:avLst/>
+          </a:prstGeom>
+          <a:ln>
+            <a:solidFill>
+              <a:schemeClr val="tx1"/>
+            </a:solidFill>
+          </a:ln>
+        </p:spPr>
+        <p:style>
+          <a:lnRef idx="2">
+            <a:schemeClr val="accent1"/>
+          </a:lnRef>
+          <a:fillRef idx="0">
+            <a:schemeClr val="accent1"/>
+          </a:fillRef>
+          <a:effectRef idx="1">
+            <a:schemeClr val="accent1"/>
+          </a:effectRef>
+          <a:fontRef idx="minor">
+            <a:schemeClr val="tx1"/>
+          </a:fontRef>
+        </p:style>
+      </p:cxnSp>
+      <p:cxnSp>
+        <p:nvCxnSpPr>
+          <p:cNvPr id="18" name="Connecteur droit 17">
+            <a:extLst>
+              <a:ext uri="{FF2B5EF4-FFF2-40B4-BE49-F238E27FC236}">
+                <a16:creationId xmlns:a16="http://schemas.microsoft.com/office/drawing/2014/main" id="{D1E3E00D-783F-0673-5AD2-10B6A7BAC560}"/>
+              </a:ext>
+            </a:extLst>
+          </p:cNvPr>
+          <p:cNvCxnSpPr/>
+          <p:nvPr/>
+        </p:nvCxnSpPr>
+        <p:spPr>
+          <a:xfrm>
+            <a:off x="4242021" y="3429000"/>
+            <a:ext cx="480060" cy="0"/>
+          </a:xfrm>
+          <a:prstGeom prst="line">
+            <a:avLst/>
+          </a:prstGeom>
+          <a:ln>
+            <a:solidFill>
+              <a:schemeClr val="tx1"/>
+            </a:solidFill>
+          </a:ln>
+        </p:spPr>
+        <p:style>
+          <a:lnRef idx="2">
+            <a:schemeClr val="accent1"/>
+          </a:lnRef>
+          <a:fillRef idx="0">
+            <a:schemeClr val="accent1"/>
+          </a:fillRef>
+          <a:effectRef idx="1">
+            <a:schemeClr val="accent1"/>
+          </a:effectRef>
+          <a:fontRef idx="minor">
+            <a:schemeClr val="tx1"/>
+          </a:fontRef>
+        </p:style>
+      </p:cxnSp>
+      <p:cxnSp>
+        <p:nvCxnSpPr>
+          <p:cNvPr id="19" name="Connecteur droit 18">
+            <a:extLst>
+              <a:ext uri="{FF2B5EF4-FFF2-40B4-BE49-F238E27FC236}">
+                <a16:creationId xmlns:a16="http://schemas.microsoft.com/office/drawing/2014/main" id="{23D1EA32-AF01-97B2-B8BA-FFFC71F1704F}"/>
+              </a:ext>
+            </a:extLst>
+          </p:cNvPr>
+          <p:cNvCxnSpPr/>
+          <p:nvPr/>
+        </p:nvCxnSpPr>
+        <p:spPr>
+          <a:xfrm>
+            <a:off x="3300951" y="2077064"/>
+            <a:ext cx="480060" cy="0"/>
+          </a:xfrm>
+          <a:prstGeom prst="line">
+            <a:avLst/>
+          </a:prstGeom>
+          <a:ln>
+            <a:solidFill>
+              <a:schemeClr val="tx1"/>
+            </a:solidFill>
+          </a:ln>
+        </p:spPr>
+        <p:style>
+          <a:lnRef idx="2">
+            <a:schemeClr val="accent1"/>
+          </a:lnRef>
+          <a:fillRef idx="0">
+            <a:schemeClr val="accent1"/>
+          </a:fillRef>
+          <a:effectRef idx="1">
+            <a:schemeClr val="accent1"/>
+          </a:effectRef>
+          <a:fontRef idx="minor">
+            <a:schemeClr val="tx1"/>
+          </a:fontRef>
+        </p:style>
+      </p:cxnSp>
+      <p:cxnSp>
+        <p:nvCxnSpPr>
+          <p:cNvPr id="20" name="Connecteur droit 19">
+            <a:extLst>
+              <a:ext uri="{FF2B5EF4-FFF2-40B4-BE49-F238E27FC236}">
+                <a16:creationId xmlns:a16="http://schemas.microsoft.com/office/drawing/2014/main" id="{3305C959-7F29-28FB-DACA-71BA8AF86640}"/>
+              </a:ext>
+            </a:extLst>
+          </p:cNvPr>
+          <p:cNvCxnSpPr/>
+          <p:nvPr/>
+        </p:nvCxnSpPr>
+        <p:spPr>
+          <a:xfrm>
+            <a:off x="4242021" y="2077064"/>
+            <a:ext cx="480060" cy="0"/>
+          </a:xfrm>
+          <a:prstGeom prst="line">
+            <a:avLst/>
+          </a:prstGeom>
+          <a:ln>
+            <a:solidFill>
+              <a:schemeClr val="tx1"/>
+            </a:solidFill>
+          </a:ln>
+        </p:spPr>
+        <p:style>
+          <a:lnRef idx="2">
+            <a:schemeClr val="accent1"/>
+          </a:lnRef>
+          <a:fillRef idx="0">
+            <a:schemeClr val="accent1"/>
+          </a:fillRef>
+          <a:effectRef idx="1">
+            <a:schemeClr val="accent1"/>
+          </a:effectRef>
+          <a:fontRef idx="minor">
+            <a:schemeClr val="tx1"/>
+          </a:fontRef>
+        </p:style>
+      </p:cxnSp>
+      <p:cxnSp>
+        <p:nvCxnSpPr>
+          <p:cNvPr id="21" name="Connecteur droit avec flèche 20">
+            <a:extLst>
+              <a:ext uri="{FF2B5EF4-FFF2-40B4-BE49-F238E27FC236}">
+                <a16:creationId xmlns:a16="http://schemas.microsoft.com/office/drawing/2014/main" id="{54FB466C-D036-D71D-2810-14A8A29B7D61}"/>
+              </a:ext>
+            </a:extLst>
+          </p:cNvPr>
+          <p:cNvCxnSpPr>
+            <a:cxnSpLocks/>
+          </p:cNvCxnSpPr>
+          <p:nvPr/>
+        </p:nvCxnSpPr>
+        <p:spPr>
+          <a:xfrm rot="5400000" flipV="1">
+            <a:off x="4812046" y="2186940"/>
+            <a:ext cx="525780" cy="537210"/>
+          </a:xfrm>
+          <a:prstGeom prst="straightConnector1">
+            <a:avLst/>
+          </a:prstGeom>
+          <a:ln w="28575">
+            <a:solidFill>
+              <a:srgbClr val="FF0000"/>
+            </a:solidFill>
+            <a:tailEnd type="triangle"/>
+          </a:ln>
+        </p:spPr>
+        <p:style>
+          <a:lnRef idx="2">
+            <a:schemeClr val="accent1"/>
+          </a:lnRef>
+          <a:fillRef idx="0">
+            <a:schemeClr val="accent1"/>
+          </a:fillRef>
+          <a:effectRef idx="1">
+            <a:schemeClr val="accent1"/>
+          </a:effectRef>
+          <a:fontRef idx="minor">
+            <a:schemeClr val="tx1"/>
+          </a:fontRef>
+        </p:style>
+      </p:cxnSp>
+      <p:cxnSp>
+        <p:nvCxnSpPr>
+          <p:cNvPr id="22" name="Connecteur droit avec flèche 21">
+            <a:extLst>
+              <a:ext uri="{FF2B5EF4-FFF2-40B4-BE49-F238E27FC236}">
+                <a16:creationId xmlns:a16="http://schemas.microsoft.com/office/drawing/2014/main" id="{CECD32F8-8D03-99B1-7E82-23C5B172EBEB}"/>
+              </a:ext>
+            </a:extLst>
+          </p:cNvPr>
+          <p:cNvCxnSpPr>
+            <a:cxnSpLocks/>
+          </p:cNvCxnSpPr>
+          <p:nvPr/>
+        </p:nvCxnSpPr>
+        <p:spPr>
+          <a:xfrm flipV="1">
+            <a:off x="4817761" y="2710815"/>
+            <a:ext cx="525780" cy="537210"/>
+          </a:xfrm>
+          <a:prstGeom prst="straightConnector1">
+            <a:avLst/>
+          </a:prstGeom>
+          <a:ln w="28575">
+            <a:solidFill>
+              <a:srgbClr val="FF0000"/>
+            </a:solidFill>
+            <a:tailEnd type="triangle"/>
+          </a:ln>
+        </p:spPr>
+        <p:style>
+          <a:lnRef idx="2">
+            <a:schemeClr val="accent1"/>
+          </a:lnRef>
+          <a:fillRef idx="0">
+            <a:schemeClr val="accent1"/>
+          </a:fillRef>
+          <a:effectRef idx="1">
+            <a:schemeClr val="accent1"/>
+          </a:effectRef>
+          <a:fontRef idx="minor">
+            <a:schemeClr val="tx1"/>
+          </a:fontRef>
+        </p:style>
+      </p:cxnSp>
+      <p:cxnSp>
+        <p:nvCxnSpPr>
+          <p:cNvPr id="23" name="Connecteur droit avec flèche 22">
+            <a:extLst>
+              <a:ext uri="{FF2B5EF4-FFF2-40B4-BE49-F238E27FC236}">
+                <a16:creationId xmlns:a16="http://schemas.microsoft.com/office/drawing/2014/main" id="{3E369126-F0B3-806A-C152-44F8C839313B}"/>
+              </a:ext>
+            </a:extLst>
+          </p:cNvPr>
+          <p:cNvCxnSpPr>
+            <a:cxnSpLocks/>
+          </p:cNvCxnSpPr>
+          <p:nvPr/>
+        </p:nvCxnSpPr>
+        <p:spPr>
+          <a:xfrm flipV="1">
+            <a:off x="1779270" y="1379800"/>
+            <a:ext cx="0" cy="351182"/>
+          </a:xfrm>
+          <a:prstGeom prst="straightConnector1">
+            <a:avLst/>
+          </a:prstGeom>
+          <a:ln>
+            <a:tailEnd type="triangle"/>
+          </a:ln>
+        </p:spPr>
+        <p:style>
+          <a:lnRef idx="2">
+            <a:schemeClr val="accent1"/>
+          </a:lnRef>
+          <a:fillRef idx="0">
+            <a:schemeClr val="accent1"/>
+          </a:fillRef>
+          <a:effectRef idx="1">
+            <a:schemeClr val="accent1"/>
+          </a:effectRef>
+          <a:fontRef idx="minor">
+            <a:schemeClr val="tx1"/>
+          </a:fontRef>
+        </p:style>
+      </p:cxnSp>
+      <p:cxnSp>
+        <p:nvCxnSpPr>
+          <p:cNvPr id="25" name="Connecteur droit avec flèche 24">
+            <a:extLst>
+              <a:ext uri="{FF2B5EF4-FFF2-40B4-BE49-F238E27FC236}">
+                <a16:creationId xmlns:a16="http://schemas.microsoft.com/office/drawing/2014/main" id="{31629B3D-7D4B-DAEA-B62A-3068818E225F}"/>
+              </a:ext>
+            </a:extLst>
+          </p:cNvPr>
+          <p:cNvCxnSpPr>
+            <a:cxnSpLocks/>
+          </p:cNvCxnSpPr>
+          <p:nvPr/>
+        </p:nvCxnSpPr>
+        <p:spPr>
+          <a:xfrm rot="10800000" flipV="1">
+            <a:off x="2723819" y="1379800"/>
+            <a:ext cx="0" cy="351182"/>
+          </a:xfrm>
+          <a:prstGeom prst="straightConnector1">
+            <a:avLst/>
+          </a:prstGeom>
+          <a:ln>
+            <a:tailEnd type="triangle"/>
+          </a:ln>
+        </p:spPr>
+        <p:style>
+          <a:lnRef idx="2">
+            <a:schemeClr val="accent1"/>
+          </a:lnRef>
+          <a:fillRef idx="0">
+            <a:schemeClr val="accent1"/>
+          </a:fillRef>
+          <a:effectRef idx="1">
+            <a:schemeClr val="accent1"/>
+          </a:effectRef>
+          <a:fontRef idx="minor">
+            <a:schemeClr val="tx1"/>
+          </a:fontRef>
+        </p:style>
+      </p:cxnSp>
+      <p:cxnSp>
+        <p:nvCxnSpPr>
+          <p:cNvPr id="26" name="Connecteur droit avec flèche 25">
+            <a:extLst>
+              <a:ext uri="{FF2B5EF4-FFF2-40B4-BE49-F238E27FC236}">
+                <a16:creationId xmlns:a16="http://schemas.microsoft.com/office/drawing/2014/main" id="{A7947A4B-C480-D39F-D9C5-9370ECD204AE}"/>
+              </a:ext>
+            </a:extLst>
+          </p:cNvPr>
+          <p:cNvCxnSpPr>
+            <a:cxnSpLocks/>
+          </p:cNvCxnSpPr>
+          <p:nvPr/>
+        </p:nvCxnSpPr>
+        <p:spPr>
+          <a:xfrm flipV="1">
+            <a:off x="6334704" y="1379799"/>
+            <a:ext cx="0" cy="351182"/>
+          </a:xfrm>
+          <a:prstGeom prst="straightConnector1">
+            <a:avLst/>
+          </a:prstGeom>
+          <a:ln>
+            <a:tailEnd type="triangle"/>
+          </a:ln>
+        </p:spPr>
+        <p:style>
+          <a:lnRef idx="2">
+            <a:schemeClr val="accent1"/>
+          </a:lnRef>
+          <a:fillRef idx="0">
+            <a:schemeClr val="accent1"/>
+          </a:fillRef>
+          <a:effectRef idx="1">
+            <a:schemeClr val="accent1"/>
+          </a:effectRef>
+          <a:fontRef idx="minor">
+            <a:schemeClr val="tx1"/>
+          </a:fontRef>
+        </p:style>
+      </p:cxnSp>
+      <p:cxnSp>
+        <p:nvCxnSpPr>
+          <p:cNvPr id="27" name="Connecteur droit avec flèche 26">
+            <a:extLst>
+              <a:ext uri="{FF2B5EF4-FFF2-40B4-BE49-F238E27FC236}">
+                <a16:creationId xmlns:a16="http://schemas.microsoft.com/office/drawing/2014/main" id="{13C4916A-2B91-AB54-C42B-DD233075A982}"/>
+              </a:ext>
+            </a:extLst>
+          </p:cNvPr>
+          <p:cNvCxnSpPr>
+            <a:cxnSpLocks/>
+          </p:cNvCxnSpPr>
+          <p:nvPr/>
+        </p:nvCxnSpPr>
+        <p:spPr>
+          <a:xfrm rot="10800000" flipV="1">
+            <a:off x="5353480" y="1379800"/>
+            <a:ext cx="0" cy="351182"/>
+          </a:xfrm>
+          <a:prstGeom prst="straightConnector1">
+            <a:avLst/>
+          </a:prstGeom>
+          <a:ln>
+            <a:tailEnd type="triangle"/>
+          </a:ln>
+        </p:spPr>
+        <p:style>
+          <a:lnRef idx="2">
+            <a:schemeClr val="accent1"/>
+          </a:lnRef>
+          <a:fillRef idx="0">
+            <a:schemeClr val="accent1"/>
+          </a:fillRef>
+          <a:effectRef idx="1">
+            <a:schemeClr val="accent1"/>
+          </a:effectRef>
+          <a:fontRef idx="minor">
+            <a:schemeClr val="tx1"/>
+          </a:fontRef>
+        </p:style>
+      </p:cxnSp>
+      <p:cxnSp>
+        <p:nvCxnSpPr>
+          <p:cNvPr id="28" name="Connecteur droit avec flèche 27">
+            <a:extLst>
+              <a:ext uri="{FF2B5EF4-FFF2-40B4-BE49-F238E27FC236}">
+                <a16:creationId xmlns:a16="http://schemas.microsoft.com/office/drawing/2014/main" id="{806D3814-C0FD-3F9C-0288-ADF5B14E491A}"/>
+              </a:ext>
+            </a:extLst>
+          </p:cNvPr>
+          <p:cNvCxnSpPr>
+            <a:cxnSpLocks/>
+          </p:cNvCxnSpPr>
+          <p:nvPr/>
+        </p:nvCxnSpPr>
+        <p:spPr>
+          <a:xfrm rot="10800000" flipV="1">
+            <a:off x="2012772" y="2549511"/>
+            <a:ext cx="0" cy="351182"/>
+          </a:xfrm>
+          <a:prstGeom prst="straightConnector1">
+            <a:avLst/>
+          </a:prstGeom>
+          <a:ln>
+            <a:tailEnd type="triangle"/>
+          </a:ln>
+        </p:spPr>
+        <p:style>
+          <a:lnRef idx="2">
+            <a:schemeClr val="accent1"/>
+          </a:lnRef>
+          <a:fillRef idx="0">
+            <a:schemeClr val="accent1"/>
+          </a:fillRef>
+          <a:effectRef idx="1">
+            <a:schemeClr val="accent1"/>
+          </a:effectRef>
+          <a:fontRef idx="minor">
+            <a:schemeClr val="tx1"/>
+          </a:fontRef>
+        </p:style>
+      </p:cxnSp>
+      <p:cxnSp>
+        <p:nvCxnSpPr>
+          <p:cNvPr id="29" name="Connecteur droit avec flèche 28">
+            <a:extLst>
+              <a:ext uri="{FF2B5EF4-FFF2-40B4-BE49-F238E27FC236}">
+                <a16:creationId xmlns:a16="http://schemas.microsoft.com/office/drawing/2014/main" id="{BBC1F1FC-782D-468C-A3DB-39F9B44F090B}"/>
+              </a:ext>
+            </a:extLst>
+          </p:cNvPr>
+          <p:cNvCxnSpPr>
+            <a:cxnSpLocks/>
+          </p:cNvCxnSpPr>
+          <p:nvPr/>
+        </p:nvCxnSpPr>
+        <p:spPr>
+          <a:xfrm flipV="1">
+            <a:off x="1066965" y="2549511"/>
+            <a:ext cx="0" cy="351182"/>
+          </a:xfrm>
+          <a:prstGeom prst="straightConnector1">
+            <a:avLst/>
+          </a:prstGeom>
+          <a:ln>
+            <a:tailEnd type="triangle"/>
+          </a:ln>
+        </p:spPr>
+        <p:style>
+          <a:lnRef idx="2">
+            <a:schemeClr val="accent1"/>
+          </a:lnRef>
+          <a:fillRef idx="0">
+            <a:schemeClr val="accent1"/>
+          </a:fillRef>
+          <a:effectRef idx="1">
+            <a:schemeClr val="accent1"/>
+          </a:effectRef>
+          <a:fontRef idx="minor">
+            <a:schemeClr val="tx1"/>
+          </a:fontRef>
+        </p:style>
+      </p:cxnSp>
+      <p:cxnSp>
+        <p:nvCxnSpPr>
+          <p:cNvPr id="30" name="Connecteur droit avec flèche 29">
+            <a:extLst>
+              <a:ext uri="{FF2B5EF4-FFF2-40B4-BE49-F238E27FC236}">
+                <a16:creationId xmlns:a16="http://schemas.microsoft.com/office/drawing/2014/main" id="{2107FE46-160A-0913-F4E6-949A67E706FE}"/>
+              </a:ext>
+            </a:extLst>
+          </p:cNvPr>
+          <p:cNvCxnSpPr>
+            <a:cxnSpLocks/>
+          </p:cNvCxnSpPr>
+          <p:nvPr/>
+        </p:nvCxnSpPr>
+        <p:spPr>
+          <a:xfrm flipV="1">
+            <a:off x="4409827" y="1901473"/>
+            <a:ext cx="0" cy="351182"/>
+          </a:xfrm>
+          <a:prstGeom prst="straightConnector1">
+            <a:avLst/>
+          </a:prstGeom>
+          <a:ln>
+            <a:tailEnd type="triangle"/>
+          </a:ln>
+        </p:spPr>
+        <p:style>
+          <a:lnRef idx="2">
+            <a:schemeClr val="accent1"/>
+          </a:lnRef>
+          <a:fillRef idx="0">
+            <a:schemeClr val="accent1"/>
+          </a:fillRef>
+          <a:effectRef idx="1">
+            <a:schemeClr val="accent1"/>
+          </a:effectRef>
+          <a:fontRef idx="minor">
+            <a:schemeClr val="tx1"/>
+          </a:fontRef>
+        </p:style>
+      </p:cxnSp>
+      <p:cxnSp>
+        <p:nvCxnSpPr>
+          <p:cNvPr id="31" name="Connecteur droit avec flèche 30">
+            <a:extLst>
+              <a:ext uri="{FF2B5EF4-FFF2-40B4-BE49-F238E27FC236}">
+                <a16:creationId xmlns:a16="http://schemas.microsoft.com/office/drawing/2014/main" id="{5BFE051C-B302-5191-2B95-78966C19C2AE}"/>
+              </a:ext>
+            </a:extLst>
+          </p:cNvPr>
+          <p:cNvCxnSpPr>
+            <a:cxnSpLocks/>
+          </p:cNvCxnSpPr>
+          <p:nvPr/>
+        </p:nvCxnSpPr>
+        <p:spPr>
+          <a:xfrm rot="10800000" flipV="1">
+            <a:off x="4544451" y="1909838"/>
+            <a:ext cx="0" cy="351182"/>
+          </a:xfrm>
+          <a:prstGeom prst="straightConnector1">
+            <a:avLst/>
+          </a:prstGeom>
+          <a:ln>
+            <a:tailEnd type="triangle"/>
+          </a:ln>
+        </p:spPr>
+        <p:style>
+          <a:lnRef idx="2">
+            <a:schemeClr val="accent1"/>
+          </a:lnRef>
+          <a:fillRef idx="0">
+            <a:schemeClr val="accent1"/>
+          </a:fillRef>
+          <a:effectRef idx="1">
+            <a:schemeClr val="accent1"/>
+          </a:effectRef>
+          <a:fontRef idx="minor">
+            <a:schemeClr val="tx1"/>
+          </a:fontRef>
+        </p:style>
+      </p:cxnSp>
+      <p:cxnSp>
+        <p:nvCxnSpPr>
+          <p:cNvPr id="32" name="Connecteur droit avec flèche 31">
+            <a:extLst>
+              <a:ext uri="{FF2B5EF4-FFF2-40B4-BE49-F238E27FC236}">
+                <a16:creationId xmlns:a16="http://schemas.microsoft.com/office/drawing/2014/main" id="{B7DF5331-7FF5-60B6-17A6-75BE58088460}"/>
+              </a:ext>
+            </a:extLst>
+          </p:cNvPr>
+          <p:cNvCxnSpPr>
+            <a:cxnSpLocks/>
+          </p:cNvCxnSpPr>
+          <p:nvPr/>
+        </p:nvCxnSpPr>
+        <p:spPr>
+          <a:xfrm rot="10800000" flipV="1">
+            <a:off x="3583171" y="3253409"/>
+            <a:ext cx="0" cy="351182"/>
+          </a:xfrm>
+          <a:prstGeom prst="straightConnector1">
+            <a:avLst/>
+          </a:prstGeom>
+          <a:ln>
+            <a:tailEnd type="triangle"/>
+          </a:ln>
+        </p:spPr>
+        <p:style>
+          <a:lnRef idx="2">
+            <a:schemeClr val="accent1"/>
+          </a:lnRef>
+          <a:fillRef idx="0">
+            <a:schemeClr val="accent1"/>
+          </a:fillRef>
+          <a:effectRef idx="1">
+            <a:schemeClr val="accent1"/>
+          </a:effectRef>
+          <a:fontRef idx="minor">
+            <a:schemeClr val="tx1"/>
+          </a:fontRef>
+        </p:style>
+      </p:cxnSp>
+      <p:cxnSp>
+        <p:nvCxnSpPr>
+          <p:cNvPr id="33" name="Connecteur droit avec flèche 32">
+            <a:extLst>
+              <a:ext uri="{FF2B5EF4-FFF2-40B4-BE49-F238E27FC236}">
+                <a16:creationId xmlns:a16="http://schemas.microsoft.com/office/drawing/2014/main" id="{A29B41E0-535D-2B44-0017-E9E7E092767E}"/>
+              </a:ext>
+            </a:extLst>
+          </p:cNvPr>
+          <p:cNvCxnSpPr>
+            <a:cxnSpLocks/>
+          </p:cNvCxnSpPr>
+          <p:nvPr/>
+        </p:nvCxnSpPr>
+        <p:spPr>
+          <a:xfrm flipV="1">
+            <a:off x="3449045" y="3253410"/>
+            <a:ext cx="0" cy="351182"/>
+          </a:xfrm>
+          <a:prstGeom prst="straightConnector1">
+            <a:avLst/>
+          </a:prstGeom>
+          <a:ln>
+            <a:tailEnd type="triangle"/>
+          </a:ln>
+        </p:spPr>
+        <p:style>
+          <a:lnRef idx="2">
+            <a:schemeClr val="accent1"/>
+          </a:lnRef>
+          <a:fillRef idx="0">
+            <a:schemeClr val="accent1"/>
+          </a:fillRef>
+          <a:effectRef idx="1">
+            <a:schemeClr val="accent1"/>
+          </a:effectRef>
+          <a:fontRef idx="minor">
+            <a:schemeClr val="tx1"/>
+          </a:fontRef>
+        </p:style>
+      </p:cxnSp>
+      <p:cxnSp>
+        <p:nvCxnSpPr>
+          <p:cNvPr id="34" name="Connecteur droit avec flèche 33">
+            <a:extLst>
+              <a:ext uri="{FF2B5EF4-FFF2-40B4-BE49-F238E27FC236}">
+                <a16:creationId xmlns:a16="http://schemas.microsoft.com/office/drawing/2014/main" id="{BCC6DC39-6E8A-BBB9-E0FA-32D34EB633AE}"/>
+              </a:ext>
+            </a:extLst>
+          </p:cNvPr>
+          <p:cNvCxnSpPr>
+            <a:cxnSpLocks/>
+          </p:cNvCxnSpPr>
+          <p:nvPr/>
+        </p:nvCxnSpPr>
+        <p:spPr>
+          <a:xfrm flipV="1">
+            <a:off x="6722332" y="2523049"/>
+            <a:ext cx="0" cy="351182"/>
+          </a:xfrm>
+          <a:prstGeom prst="straightConnector1">
+            <a:avLst/>
+          </a:prstGeom>
+          <a:ln>
+            <a:tailEnd type="triangle"/>
+          </a:ln>
+        </p:spPr>
+        <p:style>
+          <a:lnRef idx="2">
+            <a:schemeClr val="accent1"/>
+          </a:lnRef>
+          <a:fillRef idx="0">
+            <a:schemeClr val="accent1"/>
+          </a:fillRef>
+          <a:effectRef idx="1">
+            <a:schemeClr val="accent1"/>
+          </a:effectRef>
+          <a:fontRef idx="minor">
+            <a:schemeClr val="tx1"/>
+          </a:fontRef>
+        </p:style>
+      </p:cxnSp>
+      <p:cxnSp>
+        <p:nvCxnSpPr>
+          <p:cNvPr id="35" name="Connecteur droit avec flèche 34">
+            <a:extLst>
+              <a:ext uri="{FF2B5EF4-FFF2-40B4-BE49-F238E27FC236}">
+                <a16:creationId xmlns:a16="http://schemas.microsoft.com/office/drawing/2014/main" id="{B7992BF4-FA46-E6C2-00BA-DC8018C275DB}"/>
+              </a:ext>
+            </a:extLst>
+          </p:cNvPr>
+          <p:cNvCxnSpPr>
+            <a:cxnSpLocks/>
+          </p:cNvCxnSpPr>
+          <p:nvPr/>
+        </p:nvCxnSpPr>
+        <p:spPr>
+          <a:xfrm rot="10800000" flipV="1">
+            <a:off x="5773092" y="2523049"/>
+            <a:ext cx="0" cy="351182"/>
+          </a:xfrm>
+          <a:prstGeom prst="straightConnector1">
+            <a:avLst/>
+          </a:prstGeom>
+          <a:ln>
+            <a:tailEnd type="triangle"/>
+          </a:ln>
+        </p:spPr>
+        <p:style>
+          <a:lnRef idx="2">
+            <a:schemeClr val="accent1"/>
+          </a:lnRef>
+          <a:fillRef idx="0">
+            <a:schemeClr val="accent1"/>
+          </a:fillRef>
+          <a:effectRef idx="1">
+            <a:schemeClr val="accent1"/>
+          </a:effectRef>
+          <a:fontRef idx="minor">
+            <a:schemeClr val="tx1"/>
+          </a:fontRef>
+        </p:style>
+      </p:cxnSp>
+      <p:sp>
+        <p:nvSpPr>
+          <p:cNvPr id="36" name="ZoneTexte 35">
+            <a:extLst>
+              <a:ext uri="{FF2B5EF4-FFF2-40B4-BE49-F238E27FC236}">
+                <a16:creationId xmlns:a16="http://schemas.microsoft.com/office/drawing/2014/main" id="{A09D99B7-B076-4C67-C02F-35CE526DB93E}"/>
+              </a:ext>
+            </a:extLst>
+          </p:cNvPr>
+          <p:cNvSpPr txBox="1"/>
+          <p:nvPr/>
+        </p:nvSpPr>
+        <p:spPr>
+          <a:xfrm>
+            <a:off x="3837747" y="1159791"/>
+            <a:ext cx="461010" cy="369332"/>
+          </a:xfrm>
+          <a:prstGeom prst="rect">
+            <a:avLst/>
+          </a:prstGeom>
+          <a:noFill/>
+        </p:spPr>
+        <p:txBody>
+          <a:bodyPr wrap="square" rtlCol="0">
+            <a:spAutoFit/>
+          </a:bodyPr>
+          <a:lstStyle/>
+          <a:p>
+            <a:r>
+              <a:rPr lang="fr-FR" b="1" i="1" dirty="0">
+                <a:solidFill>
+                  <a:srgbClr val="FF0000"/>
+                </a:solidFill>
+              </a:rPr>
+              <a:t>K</a:t>
+            </a:r>
+          </a:p>
+        </p:txBody>
+      </p:sp>
+      <p:sp>
+        <p:nvSpPr>
+          <p:cNvPr id="37" name="ZoneTexte 36">
+            <a:extLst>
+              <a:ext uri="{FF2B5EF4-FFF2-40B4-BE49-F238E27FC236}">
+                <a16:creationId xmlns:a16="http://schemas.microsoft.com/office/drawing/2014/main" id="{A00EDABD-ADCF-C1A5-EECE-706286F7A3D1}"/>
+              </a:ext>
+            </a:extLst>
+          </p:cNvPr>
+          <p:cNvSpPr txBox="1"/>
+          <p:nvPr/>
+        </p:nvSpPr>
+        <p:spPr>
+          <a:xfrm>
+            <a:off x="2710401" y="2154117"/>
+            <a:ext cx="262890" cy="369332"/>
+          </a:xfrm>
+          <a:prstGeom prst="rect">
+            <a:avLst/>
+          </a:prstGeom>
+          <a:noFill/>
+        </p:spPr>
+        <p:txBody>
+          <a:bodyPr wrap="square" rtlCol="0">
+            <a:spAutoFit/>
+          </a:bodyPr>
+          <a:lstStyle/>
+          <a:p>
+            <a:r>
+              <a:rPr lang="fr-FR" b="1" i="1" dirty="0">
+                <a:solidFill>
+                  <a:srgbClr val="FF0000"/>
+                </a:solidFill>
+              </a:rPr>
+              <a:t>t</a:t>
+            </a:r>
+          </a:p>
+        </p:txBody>
+      </p:sp>
+      <p:sp>
+        <p:nvSpPr>
+          <p:cNvPr id="38" name="ZoneTexte 37">
+            <a:extLst>
+              <a:ext uri="{FF2B5EF4-FFF2-40B4-BE49-F238E27FC236}">
+                <a16:creationId xmlns:a16="http://schemas.microsoft.com/office/drawing/2014/main" id="{0D7F2556-145E-7C09-0DAA-F954204BDA78}"/>
+              </a:ext>
+            </a:extLst>
+          </p:cNvPr>
+          <p:cNvSpPr txBox="1"/>
+          <p:nvPr/>
+        </p:nvSpPr>
+        <p:spPr>
+          <a:xfrm>
+            <a:off x="2691351" y="3019436"/>
+            <a:ext cx="262890" cy="369332"/>
+          </a:xfrm>
+          <a:prstGeom prst="rect">
+            <a:avLst/>
+          </a:prstGeom>
+          <a:noFill/>
+        </p:spPr>
+        <p:txBody>
+          <a:bodyPr wrap="square" rtlCol="0">
+            <a:spAutoFit/>
+          </a:bodyPr>
+          <a:lstStyle/>
+          <a:p>
+            <a:r>
+              <a:rPr lang="fr-FR" b="1" i="1" dirty="0">
+                <a:solidFill>
+                  <a:srgbClr val="FF0000"/>
+                </a:solidFill>
+              </a:rPr>
+              <a:t>t</a:t>
+            </a:r>
+          </a:p>
+        </p:txBody>
+      </p:sp>
+      <p:sp>
+        <p:nvSpPr>
+          <p:cNvPr id="39" name="ZoneTexte 38">
+            <a:extLst>
+              <a:ext uri="{FF2B5EF4-FFF2-40B4-BE49-F238E27FC236}">
+                <a16:creationId xmlns:a16="http://schemas.microsoft.com/office/drawing/2014/main" id="{29BE0AB6-9816-BD0D-05E5-FFB66E4ACF66}"/>
+              </a:ext>
+            </a:extLst>
+          </p:cNvPr>
+          <p:cNvSpPr txBox="1"/>
+          <p:nvPr/>
+        </p:nvSpPr>
+        <p:spPr>
+          <a:xfrm>
+            <a:off x="5164751" y="3019436"/>
+            <a:ext cx="262890" cy="369332"/>
+          </a:xfrm>
+          <a:prstGeom prst="rect">
+            <a:avLst/>
+          </a:prstGeom>
+          <a:noFill/>
+        </p:spPr>
+        <p:txBody>
+          <a:bodyPr wrap="square" rtlCol="0">
+            <a:spAutoFit/>
+          </a:bodyPr>
+          <a:lstStyle/>
+          <a:p>
+            <a:r>
+              <a:rPr lang="fr-FR" b="1" i="1" dirty="0">
+                <a:solidFill>
+                  <a:srgbClr val="FF0000"/>
+                </a:solidFill>
+              </a:rPr>
+              <a:t>t</a:t>
+            </a:r>
+          </a:p>
+        </p:txBody>
+      </p:sp>
+      <p:sp>
+        <p:nvSpPr>
+          <p:cNvPr id="40" name="ZoneTexte 39">
+            <a:extLst>
+              <a:ext uri="{FF2B5EF4-FFF2-40B4-BE49-F238E27FC236}">
+                <a16:creationId xmlns:a16="http://schemas.microsoft.com/office/drawing/2014/main" id="{333369D4-A97F-F075-B82B-647871A821AC}"/>
+              </a:ext>
+            </a:extLst>
+          </p:cNvPr>
+          <p:cNvSpPr txBox="1"/>
+          <p:nvPr/>
+        </p:nvSpPr>
+        <p:spPr>
+          <a:xfrm>
+            <a:off x="5038644" y="2154117"/>
+            <a:ext cx="262890" cy="369332"/>
+          </a:xfrm>
+          <a:prstGeom prst="rect">
+            <a:avLst/>
+          </a:prstGeom>
+          <a:noFill/>
+        </p:spPr>
+        <p:txBody>
+          <a:bodyPr wrap="square" rtlCol="0">
+            <a:spAutoFit/>
+          </a:bodyPr>
+          <a:lstStyle/>
+          <a:p>
+            <a:r>
+              <a:rPr lang="fr-FR" b="1" i="1" dirty="0">
+                <a:solidFill>
+                  <a:srgbClr val="FF0000"/>
+                </a:solidFill>
+              </a:rPr>
+              <a:t>t</a:t>
+            </a:r>
+          </a:p>
+        </p:txBody>
+      </p:sp>
+      <p:sp>
+        <p:nvSpPr>
+          <p:cNvPr id="41" name="ZoneTexte 40">
+            <a:extLst>
+              <a:ext uri="{FF2B5EF4-FFF2-40B4-BE49-F238E27FC236}">
+                <a16:creationId xmlns:a16="http://schemas.microsoft.com/office/drawing/2014/main" id="{2ECA7C6B-1DB6-3A12-1791-586F1751C8E6}"/>
+              </a:ext>
+            </a:extLst>
+          </p:cNvPr>
+          <p:cNvSpPr txBox="1"/>
+          <p:nvPr/>
+        </p:nvSpPr>
+        <p:spPr>
+          <a:xfrm>
+            <a:off x="3827808" y="2542844"/>
+            <a:ext cx="414213" cy="369332"/>
+          </a:xfrm>
+          <a:prstGeom prst="rect">
+            <a:avLst/>
+          </a:prstGeom>
+          <a:noFill/>
+        </p:spPr>
+        <p:txBody>
+          <a:bodyPr wrap="square" rtlCol="0">
+            <a:spAutoFit/>
+          </a:bodyPr>
+          <a:lstStyle/>
+          <a:p>
+            <a:r>
+              <a:rPr lang="fr-FR" b="1" i="1" dirty="0">
+                <a:solidFill>
+                  <a:srgbClr val="FF0000"/>
+                </a:solidFill>
+              </a:rPr>
+              <a:t>U</a:t>
+            </a:r>
+          </a:p>
+        </p:txBody>
+      </p:sp>
+      <p:cxnSp>
+        <p:nvCxnSpPr>
+          <p:cNvPr id="42" name="Connecteur droit 41">
+            <a:extLst>
+              <a:ext uri="{FF2B5EF4-FFF2-40B4-BE49-F238E27FC236}">
+                <a16:creationId xmlns:a16="http://schemas.microsoft.com/office/drawing/2014/main" id="{ED75EF13-61D6-B3DE-91AD-D2B9B94C59B8}"/>
+              </a:ext>
+            </a:extLst>
+          </p:cNvPr>
+          <p:cNvCxnSpPr>
+            <a:cxnSpLocks/>
+          </p:cNvCxnSpPr>
+          <p:nvPr/>
+        </p:nvCxnSpPr>
+        <p:spPr>
+          <a:xfrm>
+            <a:off x="2380307" y="4579978"/>
+            <a:ext cx="480060" cy="0"/>
+          </a:xfrm>
+          <a:prstGeom prst="line">
+            <a:avLst/>
+          </a:prstGeom>
+          <a:ln>
+            <a:solidFill>
+              <a:schemeClr val="tx1"/>
+            </a:solidFill>
+          </a:ln>
+        </p:spPr>
+        <p:style>
+          <a:lnRef idx="2">
+            <a:schemeClr val="accent1"/>
+          </a:lnRef>
+          <a:fillRef idx="0">
+            <a:schemeClr val="accent1"/>
+          </a:fillRef>
+          <a:effectRef idx="1">
+            <a:schemeClr val="accent1"/>
+          </a:effectRef>
+          <a:fontRef idx="minor">
+            <a:schemeClr val="tx1"/>
+          </a:fontRef>
+        </p:style>
+      </p:cxnSp>
+      <p:cxnSp>
+        <p:nvCxnSpPr>
+          <p:cNvPr id="53" name="Connecteur droit avec flèche 52">
+            <a:extLst>
+              <a:ext uri="{FF2B5EF4-FFF2-40B4-BE49-F238E27FC236}">
+                <a16:creationId xmlns:a16="http://schemas.microsoft.com/office/drawing/2014/main" id="{F96E8F92-B46D-5D81-539B-C2BD39AB45FD}"/>
+              </a:ext>
+            </a:extLst>
+          </p:cNvPr>
+          <p:cNvCxnSpPr>
+            <a:cxnSpLocks/>
+          </p:cNvCxnSpPr>
+          <p:nvPr/>
+        </p:nvCxnSpPr>
+        <p:spPr>
+          <a:xfrm rot="10800000" flipV="1">
+            <a:off x="2574053" y="4404387"/>
+            <a:ext cx="0" cy="351182"/>
+          </a:xfrm>
+          <a:prstGeom prst="straightConnector1">
+            <a:avLst/>
+          </a:prstGeom>
+          <a:ln>
+            <a:tailEnd type="triangle"/>
+          </a:ln>
+        </p:spPr>
+        <p:style>
+          <a:lnRef idx="2">
+            <a:schemeClr val="accent1"/>
+          </a:lnRef>
+          <a:fillRef idx="0">
+            <a:schemeClr val="accent1"/>
+          </a:fillRef>
+          <a:effectRef idx="1">
+            <a:schemeClr val="accent1"/>
+          </a:effectRef>
+          <a:fontRef idx="minor">
+            <a:schemeClr val="tx1"/>
+          </a:fontRef>
+        </p:style>
+      </p:cxnSp>
+      <p:cxnSp>
+        <p:nvCxnSpPr>
+          <p:cNvPr id="54" name="Connecteur droit avec flèche 53">
+            <a:extLst>
+              <a:ext uri="{FF2B5EF4-FFF2-40B4-BE49-F238E27FC236}">
+                <a16:creationId xmlns:a16="http://schemas.microsoft.com/office/drawing/2014/main" id="{F1C30CCA-81F1-B121-9333-D0C574B7B15E}"/>
+              </a:ext>
+            </a:extLst>
+          </p:cNvPr>
+          <p:cNvCxnSpPr>
+            <a:cxnSpLocks/>
+          </p:cNvCxnSpPr>
+          <p:nvPr/>
+        </p:nvCxnSpPr>
+        <p:spPr>
+          <a:xfrm flipV="1">
+            <a:off x="1628246" y="4404387"/>
+            <a:ext cx="0" cy="351182"/>
+          </a:xfrm>
+          <a:prstGeom prst="straightConnector1">
+            <a:avLst/>
+          </a:prstGeom>
+          <a:ln>
+            <a:tailEnd type="triangle"/>
+          </a:ln>
+        </p:spPr>
+        <p:style>
+          <a:lnRef idx="2">
+            <a:schemeClr val="accent1"/>
+          </a:lnRef>
+          <a:fillRef idx="0">
+            <a:schemeClr val="accent1"/>
+          </a:fillRef>
+          <a:effectRef idx="1">
+            <a:schemeClr val="accent1"/>
+          </a:effectRef>
+          <a:fontRef idx="minor">
+            <a:schemeClr val="tx1"/>
+          </a:fontRef>
+        </p:style>
+      </p:cxnSp>
+      <p:cxnSp>
+        <p:nvCxnSpPr>
+          <p:cNvPr id="66" name="Connecteur droit 65">
+            <a:extLst>
+              <a:ext uri="{FF2B5EF4-FFF2-40B4-BE49-F238E27FC236}">
+                <a16:creationId xmlns:a16="http://schemas.microsoft.com/office/drawing/2014/main" id="{ED12146D-7338-042A-736D-2B50965ACE00}"/>
+              </a:ext>
+            </a:extLst>
+          </p:cNvPr>
+          <p:cNvCxnSpPr>
+            <a:cxnSpLocks/>
+          </p:cNvCxnSpPr>
+          <p:nvPr/>
+        </p:nvCxnSpPr>
+        <p:spPr>
+          <a:xfrm>
+            <a:off x="1388216" y="4579978"/>
+            <a:ext cx="480060" cy="0"/>
+          </a:xfrm>
+          <a:prstGeom prst="line">
+            <a:avLst/>
+          </a:prstGeom>
+          <a:ln>
+            <a:solidFill>
+              <a:schemeClr val="tx1"/>
+            </a:solidFill>
+          </a:ln>
+        </p:spPr>
+        <p:style>
+          <a:lnRef idx="2">
+            <a:schemeClr val="accent1"/>
+          </a:lnRef>
+          <a:fillRef idx="0">
+            <a:schemeClr val="accent1"/>
+          </a:fillRef>
+          <a:effectRef idx="1">
+            <a:schemeClr val="accent1"/>
+          </a:effectRef>
+          <a:fontRef idx="minor">
+            <a:schemeClr val="tx1"/>
+          </a:fontRef>
+        </p:style>
+      </p:cxnSp>
+      <p:cxnSp>
+        <p:nvCxnSpPr>
+          <p:cNvPr id="70" name="Connecteur droit avec flèche 69">
+            <a:extLst>
+              <a:ext uri="{FF2B5EF4-FFF2-40B4-BE49-F238E27FC236}">
+                <a16:creationId xmlns:a16="http://schemas.microsoft.com/office/drawing/2014/main" id="{625AC486-B4B6-64E2-AB47-969467C90343}"/>
+              </a:ext>
+            </a:extLst>
+          </p:cNvPr>
+          <p:cNvCxnSpPr>
+            <a:cxnSpLocks/>
+          </p:cNvCxnSpPr>
+          <p:nvPr/>
+        </p:nvCxnSpPr>
+        <p:spPr>
+          <a:xfrm flipV="1">
+            <a:off x="2081637" y="4705908"/>
+            <a:ext cx="0" cy="351182"/>
+          </a:xfrm>
+          <a:prstGeom prst="straightConnector1">
+            <a:avLst/>
+          </a:prstGeom>
+          <a:ln>
+            <a:tailEnd type="triangle"/>
+          </a:ln>
+        </p:spPr>
+        <p:style>
+          <a:lnRef idx="2">
+            <a:schemeClr val="accent1"/>
+          </a:lnRef>
+          <a:fillRef idx="0">
+            <a:schemeClr val="accent1"/>
+          </a:fillRef>
+          <a:effectRef idx="1">
+            <a:schemeClr val="accent1"/>
+          </a:effectRef>
+          <a:fontRef idx="minor">
+            <a:schemeClr val="tx1"/>
+          </a:fontRef>
+        </p:style>
+      </p:cxnSp>
+      <p:cxnSp>
+        <p:nvCxnSpPr>
+          <p:cNvPr id="71" name="Connecteur droit avec flèche 70">
+            <a:extLst>
+              <a:ext uri="{FF2B5EF4-FFF2-40B4-BE49-F238E27FC236}">
+                <a16:creationId xmlns:a16="http://schemas.microsoft.com/office/drawing/2014/main" id="{3E00BED9-4FEE-91B5-9C50-FD2D27FD5F02}"/>
+              </a:ext>
+            </a:extLst>
+          </p:cNvPr>
+          <p:cNvCxnSpPr>
+            <a:cxnSpLocks/>
+          </p:cNvCxnSpPr>
+          <p:nvPr/>
+        </p:nvCxnSpPr>
+        <p:spPr>
+          <a:xfrm rot="10800000" flipV="1">
+            <a:off x="2216261" y="4705908"/>
+            <a:ext cx="0" cy="351182"/>
+          </a:xfrm>
+          <a:prstGeom prst="straightConnector1">
+            <a:avLst/>
+          </a:prstGeom>
+          <a:ln>
+            <a:tailEnd type="triangle"/>
+          </a:ln>
+        </p:spPr>
+        <p:style>
+          <a:lnRef idx="2">
+            <a:schemeClr val="accent1"/>
+          </a:lnRef>
+          <a:fillRef idx="0">
+            <a:schemeClr val="accent1"/>
+          </a:fillRef>
+          <a:effectRef idx="1">
+            <a:schemeClr val="accent1"/>
+          </a:effectRef>
+          <a:fontRef idx="minor">
+            <a:schemeClr val="tx1"/>
+          </a:fontRef>
+        </p:style>
+      </p:cxnSp>
+      <p:cxnSp>
+        <p:nvCxnSpPr>
+          <p:cNvPr id="72" name="Connecteur droit 71">
+            <a:extLst>
+              <a:ext uri="{FF2B5EF4-FFF2-40B4-BE49-F238E27FC236}">
+                <a16:creationId xmlns:a16="http://schemas.microsoft.com/office/drawing/2014/main" id="{94ECC3D6-E593-31A6-E549-202FFD3EDFC4}"/>
+              </a:ext>
+            </a:extLst>
+          </p:cNvPr>
+          <p:cNvCxnSpPr>
+            <a:cxnSpLocks/>
+          </p:cNvCxnSpPr>
+          <p:nvPr/>
+        </p:nvCxnSpPr>
+        <p:spPr>
+          <a:xfrm>
+            <a:off x="1926254" y="4881499"/>
+            <a:ext cx="480060" cy="0"/>
+          </a:xfrm>
+          <a:prstGeom prst="line">
+            <a:avLst/>
+          </a:prstGeom>
+          <a:ln>
+            <a:solidFill>
+              <a:schemeClr val="tx1"/>
+            </a:solidFill>
+          </a:ln>
+        </p:spPr>
+        <p:style>
+          <a:lnRef idx="2">
+            <a:schemeClr val="accent1"/>
+          </a:lnRef>
+          <a:fillRef idx="0">
+            <a:schemeClr val="accent1"/>
+          </a:fillRef>
+          <a:effectRef idx="1">
+            <a:schemeClr val="accent1"/>
+          </a:effectRef>
+          <a:fontRef idx="minor">
+            <a:schemeClr val="tx1"/>
+          </a:fontRef>
+        </p:style>
+      </p:cxnSp>
+      <p:cxnSp>
+        <p:nvCxnSpPr>
+          <p:cNvPr id="75" name="Connecteur droit 74">
+            <a:extLst>
+              <a:ext uri="{FF2B5EF4-FFF2-40B4-BE49-F238E27FC236}">
+                <a16:creationId xmlns:a16="http://schemas.microsoft.com/office/drawing/2014/main" id="{7CB51F48-10E4-B25F-26FA-EBD23ECBED46}"/>
+              </a:ext>
+            </a:extLst>
+          </p:cNvPr>
+          <p:cNvCxnSpPr/>
+          <p:nvPr/>
+        </p:nvCxnSpPr>
+        <p:spPr>
+          <a:xfrm>
+            <a:off x="1936633" y="4195964"/>
+            <a:ext cx="480060" cy="0"/>
+          </a:xfrm>
+          <a:prstGeom prst="line">
+            <a:avLst/>
+          </a:prstGeom>
+          <a:ln>
+            <a:solidFill>
+              <a:schemeClr val="tx1"/>
+            </a:solidFill>
+          </a:ln>
+        </p:spPr>
+        <p:style>
+          <a:lnRef idx="2">
+            <a:schemeClr val="accent1"/>
+          </a:lnRef>
+          <a:fillRef idx="0">
+            <a:schemeClr val="accent1"/>
+          </a:fillRef>
+          <a:effectRef idx="1">
+            <a:schemeClr val="accent1"/>
+          </a:effectRef>
+          <a:fontRef idx="minor">
+            <a:schemeClr val="tx1"/>
+          </a:fontRef>
+        </p:style>
+      </p:cxnSp>
+      <p:cxnSp>
+        <p:nvCxnSpPr>
+          <p:cNvPr id="76" name="Connecteur droit avec flèche 75">
+            <a:extLst>
+              <a:ext uri="{FF2B5EF4-FFF2-40B4-BE49-F238E27FC236}">
+                <a16:creationId xmlns:a16="http://schemas.microsoft.com/office/drawing/2014/main" id="{CEADA571-BFB4-6D44-AA69-4F0431218E34}"/>
+              </a:ext>
+            </a:extLst>
+          </p:cNvPr>
+          <p:cNvCxnSpPr>
+            <a:cxnSpLocks/>
+          </p:cNvCxnSpPr>
+          <p:nvPr/>
+        </p:nvCxnSpPr>
+        <p:spPr>
+          <a:xfrm>
+            <a:off x="3018399" y="4579026"/>
+            <a:ext cx="467305" cy="11761"/>
+          </a:xfrm>
+          <a:prstGeom prst="straightConnector1">
+            <a:avLst/>
+          </a:prstGeom>
+          <a:ln w="28575">
+            <a:solidFill>
+              <a:srgbClr val="FF0000"/>
+            </a:solidFill>
+            <a:tailEnd type="triangle"/>
+          </a:ln>
+        </p:spPr>
+        <p:style>
+          <a:lnRef idx="2">
+            <a:schemeClr val="accent1"/>
+          </a:lnRef>
+          <a:fillRef idx="0">
+            <a:schemeClr val="accent1"/>
+          </a:fillRef>
+          <a:effectRef idx="1">
+            <a:schemeClr val="accent1"/>
+          </a:effectRef>
+          <a:fontRef idx="minor">
+            <a:schemeClr val="tx1"/>
+          </a:fontRef>
+        </p:style>
+      </p:cxnSp>
+      <p:cxnSp>
+        <p:nvCxnSpPr>
+          <p:cNvPr id="80" name="Connecteur droit 79">
+            <a:extLst>
+              <a:ext uri="{FF2B5EF4-FFF2-40B4-BE49-F238E27FC236}">
+                <a16:creationId xmlns:a16="http://schemas.microsoft.com/office/drawing/2014/main" id="{7CAEEB18-9C78-8951-1A29-61FBCE40C5A0}"/>
+              </a:ext>
+            </a:extLst>
+          </p:cNvPr>
+          <p:cNvCxnSpPr>
+            <a:cxnSpLocks/>
+          </p:cNvCxnSpPr>
+          <p:nvPr/>
+        </p:nvCxnSpPr>
+        <p:spPr>
+          <a:xfrm>
+            <a:off x="4551593" y="4577825"/>
+            <a:ext cx="480060" cy="0"/>
+          </a:xfrm>
+          <a:prstGeom prst="line">
+            <a:avLst/>
+          </a:prstGeom>
+          <a:ln>
+            <a:solidFill>
+              <a:schemeClr val="tx1"/>
+            </a:solidFill>
+          </a:ln>
+        </p:spPr>
+        <p:style>
+          <a:lnRef idx="2">
+            <a:schemeClr val="accent1"/>
+          </a:lnRef>
+          <a:fillRef idx="0">
+            <a:schemeClr val="accent1"/>
+          </a:fillRef>
+          <a:effectRef idx="1">
+            <a:schemeClr val="accent1"/>
+          </a:effectRef>
+          <a:fontRef idx="minor">
+            <a:schemeClr val="tx1"/>
+          </a:fontRef>
+        </p:style>
+      </p:cxnSp>
+      <p:cxnSp>
+        <p:nvCxnSpPr>
+          <p:cNvPr id="81" name="Connecteur droit avec flèche 80">
+            <a:extLst>
+              <a:ext uri="{FF2B5EF4-FFF2-40B4-BE49-F238E27FC236}">
+                <a16:creationId xmlns:a16="http://schemas.microsoft.com/office/drawing/2014/main" id="{803D3384-8E86-ABA4-90B8-2F9A1F81562A}"/>
+              </a:ext>
+            </a:extLst>
+          </p:cNvPr>
+          <p:cNvCxnSpPr>
+            <a:cxnSpLocks/>
+          </p:cNvCxnSpPr>
+          <p:nvPr/>
+        </p:nvCxnSpPr>
+        <p:spPr>
+          <a:xfrm rot="10800000" flipV="1">
+            <a:off x="4745339" y="4402234"/>
+            <a:ext cx="0" cy="351182"/>
+          </a:xfrm>
+          <a:prstGeom prst="straightConnector1">
+            <a:avLst/>
+          </a:prstGeom>
+          <a:ln>
+            <a:tailEnd type="triangle"/>
+          </a:ln>
+        </p:spPr>
+        <p:style>
+          <a:lnRef idx="2">
+            <a:schemeClr val="accent1"/>
+          </a:lnRef>
+          <a:fillRef idx="0">
+            <a:schemeClr val="accent1"/>
+          </a:fillRef>
+          <a:effectRef idx="1">
+            <a:schemeClr val="accent1"/>
+          </a:effectRef>
+          <a:fontRef idx="minor">
+            <a:schemeClr val="tx1"/>
+          </a:fontRef>
+        </p:style>
+      </p:cxnSp>
+      <p:cxnSp>
+        <p:nvCxnSpPr>
+          <p:cNvPr id="82" name="Connecteur droit avec flèche 81">
+            <a:extLst>
+              <a:ext uri="{FF2B5EF4-FFF2-40B4-BE49-F238E27FC236}">
+                <a16:creationId xmlns:a16="http://schemas.microsoft.com/office/drawing/2014/main" id="{98A4FDB7-343C-F459-66C2-5320785EC2CF}"/>
+              </a:ext>
+            </a:extLst>
+          </p:cNvPr>
+          <p:cNvCxnSpPr>
+            <a:cxnSpLocks/>
+          </p:cNvCxnSpPr>
+          <p:nvPr/>
+        </p:nvCxnSpPr>
+        <p:spPr>
+          <a:xfrm flipV="1">
+            <a:off x="3799532" y="4402234"/>
+            <a:ext cx="0" cy="351182"/>
+          </a:xfrm>
+          <a:prstGeom prst="straightConnector1">
+            <a:avLst/>
+          </a:prstGeom>
+          <a:ln>
+            <a:tailEnd type="triangle"/>
+          </a:ln>
+        </p:spPr>
+        <p:style>
+          <a:lnRef idx="2">
+            <a:schemeClr val="accent1"/>
+          </a:lnRef>
+          <a:fillRef idx="0">
+            <a:schemeClr val="accent1"/>
+          </a:fillRef>
+          <a:effectRef idx="1">
+            <a:schemeClr val="accent1"/>
+          </a:effectRef>
+          <a:fontRef idx="minor">
+            <a:schemeClr val="tx1"/>
+          </a:fontRef>
+        </p:style>
+      </p:cxnSp>
+      <p:cxnSp>
+        <p:nvCxnSpPr>
+          <p:cNvPr id="83" name="Connecteur droit 82">
+            <a:extLst>
+              <a:ext uri="{FF2B5EF4-FFF2-40B4-BE49-F238E27FC236}">
+                <a16:creationId xmlns:a16="http://schemas.microsoft.com/office/drawing/2014/main" id="{C91C698B-3F45-469E-1FB2-4F627960274F}"/>
+              </a:ext>
+            </a:extLst>
+          </p:cNvPr>
+          <p:cNvCxnSpPr>
+            <a:cxnSpLocks/>
+          </p:cNvCxnSpPr>
+          <p:nvPr/>
+        </p:nvCxnSpPr>
+        <p:spPr>
+          <a:xfrm>
+            <a:off x="3559502" y="4577825"/>
+            <a:ext cx="480060" cy="0"/>
+          </a:xfrm>
+          <a:prstGeom prst="line">
+            <a:avLst/>
+          </a:prstGeom>
+          <a:ln>
+            <a:solidFill>
+              <a:schemeClr val="tx1"/>
+            </a:solidFill>
+          </a:ln>
+        </p:spPr>
+        <p:style>
+          <a:lnRef idx="2">
+            <a:schemeClr val="accent1"/>
+          </a:lnRef>
+          <a:fillRef idx="0">
+            <a:schemeClr val="accent1"/>
+          </a:fillRef>
+          <a:effectRef idx="1">
+            <a:schemeClr val="accent1"/>
+          </a:effectRef>
+          <a:fontRef idx="minor">
+            <a:schemeClr val="tx1"/>
+          </a:fontRef>
+        </p:style>
+      </p:cxnSp>
+      <p:cxnSp>
+        <p:nvCxnSpPr>
+          <p:cNvPr id="84" name="Connecteur droit avec flèche 83">
+            <a:extLst>
+              <a:ext uri="{FF2B5EF4-FFF2-40B4-BE49-F238E27FC236}">
+                <a16:creationId xmlns:a16="http://schemas.microsoft.com/office/drawing/2014/main" id="{50053A35-F296-1795-B8E8-B7557EC1ED5C}"/>
+              </a:ext>
+            </a:extLst>
+          </p:cNvPr>
+          <p:cNvCxnSpPr>
+            <a:cxnSpLocks/>
+          </p:cNvCxnSpPr>
+          <p:nvPr/>
+        </p:nvCxnSpPr>
+        <p:spPr>
+          <a:xfrm flipV="1">
+            <a:off x="4865255" y="4402234"/>
+            <a:ext cx="0" cy="351182"/>
+          </a:xfrm>
+          <a:prstGeom prst="straightConnector1">
+            <a:avLst/>
+          </a:prstGeom>
+          <a:ln>
+            <a:tailEnd type="triangle"/>
+          </a:ln>
+        </p:spPr>
+        <p:style>
+          <a:lnRef idx="2">
+            <a:schemeClr val="accent1"/>
+          </a:lnRef>
+          <a:fillRef idx="0">
+            <a:schemeClr val="accent1"/>
+          </a:fillRef>
+          <a:effectRef idx="1">
+            <a:schemeClr val="accent1"/>
+          </a:effectRef>
+          <a:fontRef idx="minor">
+            <a:schemeClr val="tx1"/>
+          </a:fontRef>
+        </p:style>
+      </p:cxnSp>
+      <p:cxnSp>
+        <p:nvCxnSpPr>
+          <p:cNvPr id="85" name="Connecteur droit avec flèche 84">
+            <a:extLst>
+              <a:ext uri="{FF2B5EF4-FFF2-40B4-BE49-F238E27FC236}">
+                <a16:creationId xmlns:a16="http://schemas.microsoft.com/office/drawing/2014/main" id="{A879CE79-3C78-BC79-8B86-FAD36629553F}"/>
+              </a:ext>
+            </a:extLst>
+          </p:cNvPr>
+          <p:cNvCxnSpPr>
+            <a:cxnSpLocks/>
+          </p:cNvCxnSpPr>
+          <p:nvPr/>
+        </p:nvCxnSpPr>
+        <p:spPr>
+          <a:xfrm rot="10800000" flipV="1">
+            <a:off x="4387547" y="4707938"/>
+            <a:ext cx="0" cy="351182"/>
+          </a:xfrm>
+          <a:prstGeom prst="straightConnector1">
+            <a:avLst/>
+          </a:prstGeom>
+          <a:ln>
+            <a:tailEnd type="triangle"/>
+          </a:ln>
+        </p:spPr>
+        <p:style>
+          <a:lnRef idx="2">
+            <a:schemeClr val="accent1"/>
+          </a:lnRef>
+          <a:fillRef idx="0">
+            <a:schemeClr val="accent1"/>
+          </a:fillRef>
+          <a:effectRef idx="1">
+            <a:schemeClr val="accent1"/>
+          </a:effectRef>
+          <a:fontRef idx="minor">
+            <a:schemeClr val="tx1"/>
+          </a:fontRef>
+        </p:style>
+      </p:cxnSp>
+      <p:cxnSp>
+        <p:nvCxnSpPr>
+          <p:cNvPr id="86" name="Connecteur droit 85">
+            <a:extLst>
+              <a:ext uri="{FF2B5EF4-FFF2-40B4-BE49-F238E27FC236}">
+                <a16:creationId xmlns:a16="http://schemas.microsoft.com/office/drawing/2014/main" id="{D3C668A8-D151-DFED-CAF4-3411742BAC14}"/>
+              </a:ext>
+            </a:extLst>
+          </p:cNvPr>
+          <p:cNvCxnSpPr>
+            <a:cxnSpLocks/>
+          </p:cNvCxnSpPr>
+          <p:nvPr/>
+        </p:nvCxnSpPr>
+        <p:spPr>
+          <a:xfrm>
+            <a:off x="4097540" y="4883529"/>
+            <a:ext cx="480060" cy="0"/>
+          </a:xfrm>
+          <a:prstGeom prst="line">
+            <a:avLst/>
+          </a:prstGeom>
+          <a:ln>
+            <a:solidFill>
+              <a:schemeClr val="tx1"/>
+            </a:solidFill>
+          </a:ln>
+        </p:spPr>
+        <p:style>
+          <a:lnRef idx="2">
+            <a:schemeClr val="accent1"/>
+          </a:lnRef>
+          <a:fillRef idx="0">
+            <a:schemeClr val="accent1"/>
+          </a:fillRef>
+          <a:effectRef idx="1">
+            <a:schemeClr val="accent1"/>
+          </a:effectRef>
+          <a:fontRef idx="minor">
+            <a:schemeClr val="tx1"/>
+          </a:fontRef>
+        </p:style>
+      </p:cxnSp>
+      <p:cxnSp>
+        <p:nvCxnSpPr>
+          <p:cNvPr id="87" name="Connecteur droit 86">
+            <a:extLst>
+              <a:ext uri="{FF2B5EF4-FFF2-40B4-BE49-F238E27FC236}">
+                <a16:creationId xmlns:a16="http://schemas.microsoft.com/office/drawing/2014/main" id="{E60FB491-99DF-D2E0-6277-D1EF198F74DC}"/>
+              </a:ext>
+            </a:extLst>
+          </p:cNvPr>
+          <p:cNvCxnSpPr/>
+          <p:nvPr/>
+        </p:nvCxnSpPr>
+        <p:spPr>
+          <a:xfrm>
+            <a:off x="4107919" y="4193811"/>
+            <a:ext cx="480060" cy="0"/>
+          </a:xfrm>
+          <a:prstGeom prst="line">
+            <a:avLst/>
+          </a:prstGeom>
+          <a:ln>
+            <a:solidFill>
+              <a:schemeClr val="tx1"/>
+            </a:solidFill>
+          </a:ln>
+        </p:spPr>
+        <p:style>
+          <a:lnRef idx="2">
+            <a:schemeClr val="accent1"/>
+          </a:lnRef>
+          <a:fillRef idx="0">
+            <a:schemeClr val="accent1"/>
+          </a:fillRef>
+          <a:effectRef idx="1">
+            <a:schemeClr val="accent1"/>
+          </a:effectRef>
+          <a:fontRef idx="minor">
+            <a:schemeClr val="tx1"/>
+          </a:fontRef>
+        </p:style>
+      </p:cxnSp>
+      <p:cxnSp>
+        <p:nvCxnSpPr>
+          <p:cNvPr id="88" name="Connecteur droit avec flèche 87">
+            <a:extLst>
+              <a:ext uri="{FF2B5EF4-FFF2-40B4-BE49-F238E27FC236}">
+                <a16:creationId xmlns:a16="http://schemas.microsoft.com/office/drawing/2014/main" id="{E2FF6C05-2A85-03F6-7AD1-0FD44358D54E}"/>
+              </a:ext>
+            </a:extLst>
+          </p:cNvPr>
+          <p:cNvCxnSpPr>
+            <a:cxnSpLocks/>
+          </p:cNvCxnSpPr>
+          <p:nvPr/>
+        </p:nvCxnSpPr>
+        <p:spPr>
+          <a:xfrm>
+            <a:off x="5167685" y="4565112"/>
+            <a:ext cx="467305" cy="11761"/>
+          </a:xfrm>
+          <a:prstGeom prst="straightConnector1">
+            <a:avLst/>
+          </a:prstGeom>
+          <a:ln w="28575">
+            <a:solidFill>
+              <a:srgbClr val="FF0000"/>
+            </a:solidFill>
+            <a:tailEnd type="triangle"/>
+          </a:ln>
+        </p:spPr>
+        <p:style>
+          <a:lnRef idx="2">
+            <a:schemeClr val="accent1"/>
+          </a:lnRef>
+          <a:fillRef idx="0">
+            <a:schemeClr val="accent1"/>
+          </a:fillRef>
+          <a:effectRef idx="1">
+            <a:schemeClr val="accent1"/>
+          </a:effectRef>
+          <a:fontRef idx="minor">
+            <a:schemeClr val="tx1"/>
+          </a:fontRef>
+        </p:style>
+      </p:cxnSp>
+      <p:cxnSp>
+        <p:nvCxnSpPr>
+          <p:cNvPr id="89" name="Connecteur droit 88">
+            <a:extLst>
+              <a:ext uri="{FF2B5EF4-FFF2-40B4-BE49-F238E27FC236}">
+                <a16:creationId xmlns:a16="http://schemas.microsoft.com/office/drawing/2014/main" id="{3DA33A40-C1BA-3BC9-560F-FFF964913A5F}"/>
+              </a:ext>
+            </a:extLst>
+          </p:cNvPr>
+          <p:cNvCxnSpPr>
+            <a:cxnSpLocks/>
+          </p:cNvCxnSpPr>
+          <p:nvPr/>
+        </p:nvCxnSpPr>
+        <p:spPr>
+          <a:xfrm>
+            <a:off x="6700879" y="4570869"/>
+            <a:ext cx="480060" cy="0"/>
+          </a:xfrm>
+          <a:prstGeom prst="line">
+            <a:avLst/>
+          </a:prstGeom>
+          <a:ln>
+            <a:solidFill>
+              <a:schemeClr val="tx1"/>
+            </a:solidFill>
+          </a:ln>
+        </p:spPr>
+        <p:style>
+          <a:lnRef idx="2">
+            <a:schemeClr val="accent1"/>
+          </a:lnRef>
+          <a:fillRef idx="0">
+            <a:schemeClr val="accent1"/>
+          </a:fillRef>
+          <a:effectRef idx="1">
+            <a:schemeClr val="accent1"/>
+          </a:effectRef>
+          <a:fontRef idx="minor">
+            <a:schemeClr val="tx1"/>
+          </a:fontRef>
+        </p:style>
+      </p:cxnSp>
+      <p:cxnSp>
+        <p:nvCxnSpPr>
+          <p:cNvPr id="90" name="Connecteur droit avec flèche 89">
+            <a:extLst>
+              <a:ext uri="{FF2B5EF4-FFF2-40B4-BE49-F238E27FC236}">
+                <a16:creationId xmlns:a16="http://schemas.microsoft.com/office/drawing/2014/main" id="{B4AB48AD-77D2-E353-A103-8A2E72837D00}"/>
+              </a:ext>
+            </a:extLst>
+          </p:cNvPr>
+          <p:cNvCxnSpPr>
+            <a:cxnSpLocks/>
+          </p:cNvCxnSpPr>
+          <p:nvPr/>
+        </p:nvCxnSpPr>
+        <p:spPr>
+          <a:xfrm rot="10800000" flipV="1">
+            <a:off x="6894625" y="4395278"/>
+            <a:ext cx="0" cy="351182"/>
+          </a:xfrm>
+          <a:prstGeom prst="straightConnector1">
+            <a:avLst/>
+          </a:prstGeom>
+          <a:ln>
+            <a:tailEnd type="triangle"/>
+          </a:ln>
+        </p:spPr>
+        <p:style>
+          <a:lnRef idx="2">
+            <a:schemeClr val="accent1"/>
+          </a:lnRef>
+          <a:fillRef idx="0">
+            <a:schemeClr val="accent1"/>
+          </a:fillRef>
+          <a:effectRef idx="1">
+            <a:schemeClr val="accent1"/>
+          </a:effectRef>
+          <a:fontRef idx="minor">
+            <a:schemeClr val="tx1"/>
+          </a:fontRef>
+        </p:style>
+      </p:cxnSp>
+      <p:cxnSp>
+        <p:nvCxnSpPr>
+          <p:cNvPr id="91" name="Connecteur droit avec flèche 90">
+            <a:extLst>
+              <a:ext uri="{FF2B5EF4-FFF2-40B4-BE49-F238E27FC236}">
+                <a16:creationId xmlns:a16="http://schemas.microsoft.com/office/drawing/2014/main" id="{B50AA9C7-ED2D-C178-A56A-240E6E5490DB}"/>
+              </a:ext>
+            </a:extLst>
+          </p:cNvPr>
+          <p:cNvCxnSpPr>
+            <a:cxnSpLocks/>
+          </p:cNvCxnSpPr>
+          <p:nvPr/>
+        </p:nvCxnSpPr>
+        <p:spPr>
+          <a:xfrm flipV="1">
+            <a:off x="5937223" y="4389521"/>
+            <a:ext cx="0" cy="351182"/>
+          </a:xfrm>
+          <a:prstGeom prst="straightConnector1">
+            <a:avLst/>
+          </a:prstGeom>
+          <a:ln>
+            <a:tailEnd type="triangle"/>
+          </a:ln>
+        </p:spPr>
+        <p:style>
+          <a:lnRef idx="2">
+            <a:schemeClr val="accent1"/>
+          </a:lnRef>
+          <a:fillRef idx="0">
+            <a:schemeClr val="accent1"/>
+          </a:fillRef>
+          <a:effectRef idx="1">
+            <a:schemeClr val="accent1"/>
+          </a:effectRef>
+          <a:fontRef idx="minor">
+            <a:schemeClr val="tx1"/>
+          </a:fontRef>
+        </p:style>
+      </p:cxnSp>
+      <p:cxnSp>
+        <p:nvCxnSpPr>
+          <p:cNvPr id="92" name="Connecteur droit 91">
+            <a:extLst>
+              <a:ext uri="{FF2B5EF4-FFF2-40B4-BE49-F238E27FC236}">
+                <a16:creationId xmlns:a16="http://schemas.microsoft.com/office/drawing/2014/main" id="{3BA68CCC-3875-8E73-63BF-EFA5955C71A7}"/>
+              </a:ext>
+            </a:extLst>
+          </p:cNvPr>
+          <p:cNvCxnSpPr>
+            <a:cxnSpLocks/>
+          </p:cNvCxnSpPr>
+          <p:nvPr/>
+        </p:nvCxnSpPr>
+        <p:spPr>
+          <a:xfrm>
+            <a:off x="5766766" y="4565112"/>
+            <a:ext cx="480060" cy="0"/>
+          </a:xfrm>
+          <a:prstGeom prst="line">
+            <a:avLst/>
+          </a:prstGeom>
+          <a:ln>
+            <a:solidFill>
+              <a:schemeClr val="tx1"/>
+            </a:solidFill>
+          </a:ln>
+        </p:spPr>
+        <p:style>
+          <a:lnRef idx="2">
+            <a:schemeClr val="accent1"/>
+          </a:lnRef>
+          <a:fillRef idx="0">
+            <a:schemeClr val="accent1"/>
+          </a:fillRef>
+          <a:effectRef idx="1">
+            <a:schemeClr val="accent1"/>
+          </a:effectRef>
+          <a:fontRef idx="minor">
+            <a:schemeClr val="tx1"/>
+          </a:fontRef>
+        </p:style>
+      </p:cxnSp>
+      <p:cxnSp>
+        <p:nvCxnSpPr>
+          <p:cNvPr id="93" name="Connecteur droit avec flèche 92">
+            <a:extLst>
+              <a:ext uri="{FF2B5EF4-FFF2-40B4-BE49-F238E27FC236}">
+                <a16:creationId xmlns:a16="http://schemas.microsoft.com/office/drawing/2014/main" id="{356C4308-A485-E19B-744A-E294896EDFD2}"/>
+              </a:ext>
+            </a:extLst>
+          </p:cNvPr>
+          <p:cNvCxnSpPr>
+            <a:cxnSpLocks/>
+          </p:cNvCxnSpPr>
+          <p:nvPr/>
+        </p:nvCxnSpPr>
+        <p:spPr>
+          <a:xfrm flipV="1">
+            <a:off x="7014541" y="4395278"/>
+            <a:ext cx="0" cy="351182"/>
+          </a:xfrm>
+          <a:prstGeom prst="straightConnector1">
+            <a:avLst/>
+          </a:prstGeom>
+          <a:ln>
+            <a:tailEnd type="triangle"/>
+          </a:ln>
+        </p:spPr>
+        <p:style>
+          <a:lnRef idx="2">
+            <a:schemeClr val="accent1"/>
+          </a:lnRef>
+          <a:fillRef idx="0">
+            <a:schemeClr val="accent1"/>
+          </a:fillRef>
+          <a:effectRef idx="1">
+            <a:schemeClr val="accent1"/>
+          </a:effectRef>
+          <a:fontRef idx="minor">
+            <a:schemeClr val="tx1"/>
+          </a:fontRef>
+        </p:style>
+      </p:cxnSp>
+      <p:cxnSp>
+        <p:nvCxnSpPr>
+          <p:cNvPr id="94" name="Connecteur droit avec flèche 93">
+            <a:extLst>
+              <a:ext uri="{FF2B5EF4-FFF2-40B4-BE49-F238E27FC236}">
+                <a16:creationId xmlns:a16="http://schemas.microsoft.com/office/drawing/2014/main" id="{402376FE-C3C8-214E-E0E8-ACE4E45EF377}"/>
+              </a:ext>
+            </a:extLst>
+          </p:cNvPr>
+          <p:cNvCxnSpPr>
+            <a:cxnSpLocks/>
+          </p:cNvCxnSpPr>
+          <p:nvPr/>
+        </p:nvCxnSpPr>
+        <p:spPr>
+          <a:xfrm rot="10800000" flipV="1">
+            <a:off x="6060178" y="4389521"/>
+            <a:ext cx="0" cy="351182"/>
+          </a:xfrm>
+          <a:prstGeom prst="straightConnector1">
+            <a:avLst/>
+          </a:prstGeom>
+          <a:ln>
+            <a:tailEnd type="triangle"/>
+          </a:ln>
+        </p:spPr>
+        <p:style>
+          <a:lnRef idx="2">
+            <a:schemeClr val="accent1"/>
+          </a:lnRef>
+          <a:fillRef idx="0">
+            <a:schemeClr val="accent1"/>
+          </a:fillRef>
+          <a:effectRef idx="1">
+            <a:schemeClr val="accent1"/>
+          </a:effectRef>
+          <a:fontRef idx="minor">
+            <a:schemeClr val="tx1"/>
+          </a:fontRef>
+        </p:style>
+      </p:cxnSp>
+      <p:cxnSp>
+        <p:nvCxnSpPr>
+          <p:cNvPr id="95" name="Connecteur droit 94">
+            <a:extLst>
+              <a:ext uri="{FF2B5EF4-FFF2-40B4-BE49-F238E27FC236}">
+                <a16:creationId xmlns:a16="http://schemas.microsoft.com/office/drawing/2014/main" id="{E01DFEB5-44E9-A555-66C9-BE177E7FF98B}"/>
+              </a:ext>
+            </a:extLst>
+          </p:cNvPr>
+          <p:cNvCxnSpPr/>
+          <p:nvPr/>
+        </p:nvCxnSpPr>
+        <p:spPr>
+          <a:xfrm>
+            <a:off x="6246826" y="4882262"/>
+            <a:ext cx="480060" cy="0"/>
+          </a:xfrm>
+          <a:prstGeom prst="line">
+            <a:avLst/>
+          </a:prstGeom>
+          <a:ln>
+            <a:solidFill>
+              <a:schemeClr val="tx1"/>
+            </a:solidFill>
+          </a:ln>
+        </p:spPr>
+        <p:style>
+          <a:lnRef idx="2">
+            <a:schemeClr val="accent1"/>
+          </a:lnRef>
+          <a:fillRef idx="0">
+            <a:schemeClr val="accent1"/>
+          </a:fillRef>
+          <a:effectRef idx="1">
+            <a:schemeClr val="accent1"/>
+          </a:effectRef>
+          <a:fontRef idx="minor">
+            <a:schemeClr val="tx1"/>
+          </a:fontRef>
+        </p:style>
+      </p:cxnSp>
+      <p:cxnSp>
+        <p:nvCxnSpPr>
+          <p:cNvPr id="96" name="Connecteur droit 95">
+            <a:extLst>
+              <a:ext uri="{FF2B5EF4-FFF2-40B4-BE49-F238E27FC236}">
+                <a16:creationId xmlns:a16="http://schemas.microsoft.com/office/drawing/2014/main" id="{8AD0D50A-3D2A-716B-D268-F6397A1DD9CB}"/>
+              </a:ext>
+            </a:extLst>
+          </p:cNvPr>
+          <p:cNvCxnSpPr/>
+          <p:nvPr/>
+        </p:nvCxnSpPr>
+        <p:spPr>
+          <a:xfrm>
+            <a:off x="6257205" y="4179897"/>
+            <a:ext cx="480060" cy="0"/>
+          </a:xfrm>
+          <a:prstGeom prst="line">
+            <a:avLst/>
+          </a:prstGeom>
+          <a:ln>
+            <a:solidFill>
+              <a:schemeClr val="tx1"/>
+            </a:solidFill>
+          </a:ln>
+        </p:spPr>
+        <p:style>
+          <a:lnRef idx="2">
+            <a:schemeClr val="accent1"/>
+          </a:lnRef>
+          <a:fillRef idx="0">
+            <a:schemeClr val="accent1"/>
+          </a:fillRef>
+          <a:effectRef idx="1">
+            <a:schemeClr val="accent1"/>
+          </a:effectRef>
+          <a:fontRef idx="minor">
+            <a:schemeClr val="tx1"/>
+          </a:fontRef>
+        </p:style>
+      </p:cxnSp>
+      <p:cxnSp>
+        <p:nvCxnSpPr>
+          <p:cNvPr id="97" name="Connecteur droit avec flèche 96">
+            <a:extLst>
+              <a:ext uri="{FF2B5EF4-FFF2-40B4-BE49-F238E27FC236}">
+                <a16:creationId xmlns:a16="http://schemas.microsoft.com/office/drawing/2014/main" id="{DA7B01BB-B0C4-6C6D-1329-0587813AC9B6}"/>
+              </a:ext>
+            </a:extLst>
+          </p:cNvPr>
+          <p:cNvCxnSpPr>
+            <a:cxnSpLocks/>
+          </p:cNvCxnSpPr>
+          <p:nvPr/>
+        </p:nvCxnSpPr>
+        <p:spPr>
+          <a:xfrm>
+            <a:off x="1567203" y="5744389"/>
+            <a:ext cx="467305" cy="11761"/>
+          </a:xfrm>
+          <a:prstGeom prst="straightConnector1">
+            <a:avLst/>
+          </a:prstGeom>
+          <a:ln w="28575">
+            <a:solidFill>
+              <a:srgbClr val="FF0000"/>
+            </a:solidFill>
+            <a:tailEnd type="triangle"/>
+          </a:ln>
+        </p:spPr>
+        <p:style>
+          <a:lnRef idx="2">
+            <a:schemeClr val="accent1"/>
+          </a:lnRef>
+          <a:fillRef idx="0">
+            <a:schemeClr val="accent1"/>
+          </a:fillRef>
+          <a:effectRef idx="1">
+            <a:schemeClr val="accent1"/>
+          </a:effectRef>
+          <a:fontRef idx="minor">
+            <a:schemeClr val="tx1"/>
+          </a:fontRef>
+        </p:style>
+      </p:cxnSp>
+      <p:cxnSp>
+        <p:nvCxnSpPr>
+          <p:cNvPr id="98" name="Connecteur droit 97">
+            <a:extLst>
+              <a:ext uri="{FF2B5EF4-FFF2-40B4-BE49-F238E27FC236}">
+                <a16:creationId xmlns:a16="http://schemas.microsoft.com/office/drawing/2014/main" id="{9FBCE466-DC96-AC60-DF0F-0B90CA97A173}"/>
+              </a:ext>
+            </a:extLst>
+          </p:cNvPr>
+          <p:cNvCxnSpPr>
+            <a:cxnSpLocks/>
+          </p:cNvCxnSpPr>
+          <p:nvPr/>
+        </p:nvCxnSpPr>
+        <p:spPr>
+          <a:xfrm>
+            <a:off x="3100397" y="5736521"/>
+            <a:ext cx="480060" cy="0"/>
+          </a:xfrm>
+          <a:prstGeom prst="line">
+            <a:avLst/>
+          </a:prstGeom>
+          <a:ln>
+            <a:solidFill>
+              <a:schemeClr val="tx1"/>
+            </a:solidFill>
+          </a:ln>
+        </p:spPr>
+        <p:style>
+          <a:lnRef idx="2">
+            <a:schemeClr val="accent1"/>
+          </a:lnRef>
+          <a:fillRef idx="0">
+            <a:schemeClr val="accent1"/>
+          </a:fillRef>
+          <a:effectRef idx="1">
+            <a:schemeClr val="accent1"/>
+          </a:effectRef>
+          <a:fontRef idx="minor">
+            <a:schemeClr val="tx1"/>
+          </a:fontRef>
+        </p:style>
+      </p:cxnSp>
+      <p:cxnSp>
+        <p:nvCxnSpPr>
+          <p:cNvPr id="99" name="Connecteur droit avec flèche 98">
+            <a:extLst>
+              <a:ext uri="{FF2B5EF4-FFF2-40B4-BE49-F238E27FC236}">
+                <a16:creationId xmlns:a16="http://schemas.microsoft.com/office/drawing/2014/main" id="{375A9A14-5AF3-20BE-6D8D-AD4801C78B4C}"/>
+              </a:ext>
+            </a:extLst>
+          </p:cNvPr>
+          <p:cNvCxnSpPr>
+            <a:cxnSpLocks/>
+          </p:cNvCxnSpPr>
+          <p:nvPr/>
+        </p:nvCxnSpPr>
+        <p:spPr>
+          <a:xfrm rot="10800000" flipV="1">
+            <a:off x="2939481" y="5905826"/>
+            <a:ext cx="0" cy="351182"/>
+          </a:xfrm>
+          <a:prstGeom prst="straightConnector1">
+            <a:avLst/>
+          </a:prstGeom>
+          <a:ln>
+            <a:tailEnd type="triangle"/>
+          </a:ln>
+        </p:spPr>
+        <p:style>
+          <a:lnRef idx="2">
+            <a:schemeClr val="accent1"/>
+          </a:lnRef>
+          <a:fillRef idx="0">
+            <a:schemeClr val="accent1"/>
+          </a:fillRef>
+          <a:effectRef idx="1">
+            <a:schemeClr val="accent1"/>
+          </a:effectRef>
+          <a:fontRef idx="minor">
+            <a:schemeClr val="tx1"/>
+          </a:fontRef>
+        </p:style>
+      </p:cxnSp>
+      <p:cxnSp>
+        <p:nvCxnSpPr>
+          <p:cNvPr id="100" name="Connecteur droit avec flèche 99">
+            <a:extLst>
+              <a:ext uri="{FF2B5EF4-FFF2-40B4-BE49-F238E27FC236}">
+                <a16:creationId xmlns:a16="http://schemas.microsoft.com/office/drawing/2014/main" id="{2AA0248F-BB5A-B831-FA7D-0E4D45B44C57}"/>
+              </a:ext>
+            </a:extLst>
+          </p:cNvPr>
+          <p:cNvCxnSpPr>
+            <a:cxnSpLocks/>
+          </p:cNvCxnSpPr>
+          <p:nvPr/>
+        </p:nvCxnSpPr>
+        <p:spPr>
+          <a:xfrm flipV="1">
+            <a:off x="2395879" y="5571855"/>
+            <a:ext cx="0" cy="351182"/>
+          </a:xfrm>
+          <a:prstGeom prst="straightConnector1">
+            <a:avLst/>
+          </a:prstGeom>
+          <a:ln>
+            <a:tailEnd type="triangle"/>
+          </a:ln>
+        </p:spPr>
+        <p:style>
+          <a:lnRef idx="2">
+            <a:schemeClr val="accent1"/>
+          </a:lnRef>
+          <a:fillRef idx="0">
+            <a:schemeClr val="accent1"/>
+          </a:fillRef>
+          <a:effectRef idx="1">
+            <a:schemeClr val="accent1"/>
+          </a:effectRef>
+          <a:fontRef idx="minor">
+            <a:schemeClr val="tx1"/>
+          </a:fontRef>
+        </p:style>
+      </p:cxnSp>
+      <p:cxnSp>
+        <p:nvCxnSpPr>
+          <p:cNvPr id="101" name="Connecteur droit 100">
+            <a:extLst>
+              <a:ext uri="{FF2B5EF4-FFF2-40B4-BE49-F238E27FC236}">
+                <a16:creationId xmlns:a16="http://schemas.microsoft.com/office/drawing/2014/main" id="{36756D29-40E8-5C84-20C9-BBD5A07080C3}"/>
+              </a:ext>
+            </a:extLst>
+          </p:cNvPr>
+          <p:cNvCxnSpPr>
+            <a:cxnSpLocks/>
+          </p:cNvCxnSpPr>
+          <p:nvPr/>
+        </p:nvCxnSpPr>
+        <p:spPr>
+          <a:xfrm>
+            <a:off x="2202230" y="5747446"/>
+            <a:ext cx="480060" cy="0"/>
+          </a:xfrm>
+          <a:prstGeom prst="line">
+            <a:avLst/>
+          </a:prstGeom>
+          <a:ln>
+            <a:solidFill>
+              <a:schemeClr val="tx1"/>
+            </a:solidFill>
+          </a:ln>
+        </p:spPr>
+        <p:style>
+          <a:lnRef idx="2">
+            <a:schemeClr val="accent1"/>
+          </a:lnRef>
+          <a:fillRef idx="0">
+            <a:schemeClr val="accent1"/>
+          </a:fillRef>
+          <a:effectRef idx="1">
+            <a:schemeClr val="accent1"/>
+          </a:effectRef>
+          <a:fontRef idx="minor">
+            <a:schemeClr val="tx1"/>
+          </a:fontRef>
+        </p:style>
+      </p:cxnSp>
+      <p:cxnSp>
+        <p:nvCxnSpPr>
+          <p:cNvPr id="102" name="Connecteur droit avec flèche 101">
+            <a:extLst>
+              <a:ext uri="{FF2B5EF4-FFF2-40B4-BE49-F238E27FC236}">
+                <a16:creationId xmlns:a16="http://schemas.microsoft.com/office/drawing/2014/main" id="{9658B8B5-53E8-F4B4-32DB-22E544B2A2BB}"/>
+              </a:ext>
+            </a:extLst>
+          </p:cNvPr>
+          <p:cNvCxnSpPr>
+            <a:cxnSpLocks/>
+          </p:cNvCxnSpPr>
+          <p:nvPr/>
+        </p:nvCxnSpPr>
+        <p:spPr>
+          <a:xfrm flipV="1">
+            <a:off x="3414059" y="5560930"/>
+            <a:ext cx="0" cy="351182"/>
+          </a:xfrm>
+          <a:prstGeom prst="straightConnector1">
+            <a:avLst/>
+          </a:prstGeom>
+          <a:ln>
+            <a:tailEnd type="triangle"/>
+          </a:ln>
+        </p:spPr>
+        <p:style>
+          <a:lnRef idx="2">
+            <a:schemeClr val="accent1"/>
+          </a:lnRef>
+          <a:fillRef idx="0">
+            <a:schemeClr val="accent1"/>
+          </a:fillRef>
+          <a:effectRef idx="1">
+            <a:schemeClr val="accent1"/>
+          </a:effectRef>
+          <a:fontRef idx="minor">
+            <a:schemeClr val="tx1"/>
+          </a:fontRef>
+        </p:style>
+      </p:cxnSp>
+      <p:cxnSp>
+        <p:nvCxnSpPr>
+          <p:cNvPr id="103" name="Connecteur droit avec flèche 102">
+            <a:extLst>
+              <a:ext uri="{FF2B5EF4-FFF2-40B4-BE49-F238E27FC236}">
+                <a16:creationId xmlns:a16="http://schemas.microsoft.com/office/drawing/2014/main" id="{85E0352E-E8D6-3797-5168-4610AFFA0E43}"/>
+              </a:ext>
+            </a:extLst>
+          </p:cNvPr>
+          <p:cNvCxnSpPr>
+            <a:cxnSpLocks/>
+          </p:cNvCxnSpPr>
+          <p:nvPr/>
+        </p:nvCxnSpPr>
+        <p:spPr>
+          <a:xfrm rot="10800000" flipV="1">
+            <a:off x="2471458" y="5571855"/>
+            <a:ext cx="0" cy="351182"/>
+          </a:xfrm>
+          <a:prstGeom prst="straightConnector1">
+            <a:avLst/>
+          </a:prstGeom>
+          <a:ln>
+            <a:tailEnd type="triangle"/>
+          </a:ln>
+        </p:spPr>
+        <p:style>
+          <a:lnRef idx="2">
+            <a:schemeClr val="accent1"/>
+          </a:lnRef>
+          <a:fillRef idx="0">
+            <a:schemeClr val="accent1"/>
+          </a:fillRef>
+          <a:effectRef idx="1">
+            <a:schemeClr val="accent1"/>
+          </a:effectRef>
+          <a:fontRef idx="minor">
+            <a:schemeClr val="tx1"/>
+          </a:fontRef>
+        </p:style>
+      </p:cxnSp>
+      <p:cxnSp>
+        <p:nvCxnSpPr>
+          <p:cNvPr id="104" name="Connecteur droit 103">
+            <a:extLst>
+              <a:ext uri="{FF2B5EF4-FFF2-40B4-BE49-F238E27FC236}">
+                <a16:creationId xmlns:a16="http://schemas.microsoft.com/office/drawing/2014/main" id="{CCC6E771-2345-CE00-C9E6-3F08F65B876E}"/>
+              </a:ext>
+            </a:extLst>
+          </p:cNvPr>
+          <p:cNvCxnSpPr>
+            <a:cxnSpLocks/>
+          </p:cNvCxnSpPr>
+          <p:nvPr/>
+        </p:nvCxnSpPr>
+        <p:spPr>
+          <a:xfrm>
+            <a:off x="2636005" y="6081417"/>
+            <a:ext cx="480060" cy="0"/>
+          </a:xfrm>
+          <a:prstGeom prst="line">
+            <a:avLst/>
+          </a:prstGeom>
+          <a:ln>
+            <a:solidFill>
+              <a:schemeClr val="tx1"/>
+            </a:solidFill>
+          </a:ln>
+        </p:spPr>
+        <p:style>
+          <a:lnRef idx="2">
+            <a:schemeClr val="accent1"/>
+          </a:lnRef>
+          <a:fillRef idx="0">
+            <a:schemeClr val="accent1"/>
+          </a:fillRef>
+          <a:effectRef idx="1">
+            <a:schemeClr val="accent1"/>
+          </a:effectRef>
+          <a:fontRef idx="minor">
+            <a:schemeClr val="tx1"/>
+          </a:fontRef>
+        </p:style>
+      </p:cxnSp>
+      <p:cxnSp>
+        <p:nvCxnSpPr>
+          <p:cNvPr id="105" name="Connecteur droit 104">
+            <a:extLst>
+              <a:ext uri="{FF2B5EF4-FFF2-40B4-BE49-F238E27FC236}">
+                <a16:creationId xmlns:a16="http://schemas.microsoft.com/office/drawing/2014/main" id="{E4743960-65D5-8C5B-4CB6-7C85640FD10D}"/>
+              </a:ext>
+            </a:extLst>
+          </p:cNvPr>
+          <p:cNvCxnSpPr/>
+          <p:nvPr/>
+        </p:nvCxnSpPr>
+        <p:spPr>
+          <a:xfrm>
+            <a:off x="2656723" y="5359174"/>
+            <a:ext cx="480060" cy="0"/>
+          </a:xfrm>
+          <a:prstGeom prst="line">
+            <a:avLst/>
+          </a:prstGeom>
+          <a:ln>
+            <a:solidFill>
+              <a:schemeClr val="tx1"/>
+            </a:solidFill>
+          </a:ln>
+        </p:spPr>
+        <p:style>
+          <a:lnRef idx="2">
+            <a:schemeClr val="accent1"/>
+          </a:lnRef>
+          <a:fillRef idx="0">
+            <a:schemeClr val="accent1"/>
+          </a:fillRef>
+          <a:effectRef idx="1">
+            <a:schemeClr val="accent1"/>
+          </a:effectRef>
+          <a:fontRef idx="minor">
+            <a:schemeClr val="tx1"/>
+          </a:fontRef>
+        </p:style>
+      </p:cxnSp>
+      <p:cxnSp>
+        <p:nvCxnSpPr>
+          <p:cNvPr id="106" name="Connecteur droit avec flèche 105">
+            <a:extLst>
+              <a:ext uri="{FF2B5EF4-FFF2-40B4-BE49-F238E27FC236}">
+                <a16:creationId xmlns:a16="http://schemas.microsoft.com/office/drawing/2014/main" id="{66E94052-7BE7-8065-1824-764BA3CDD37B}"/>
+              </a:ext>
+            </a:extLst>
+          </p:cNvPr>
+          <p:cNvCxnSpPr>
+            <a:cxnSpLocks/>
+          </p:cNvCxnSpPr>
+          <p:nvPr/>
+        </p:nvCxnSpPr>
+        <p:spPr>
+          <a:xfrm>
+            <a:off x="3874266" y="5750269"/>
+            <a:ext cx="467305" cy="11761"/>
+          </a:xfrm>
+          <a:prstGeom prst="straightConnector1">
+            <a:avLst/>
+          </a:prstGeom>
+          <a:ln w="28575">
+            <a:solidFill>
+              <a:srgbClr val="FF0000"/>
+            </a:solidFill>
+            <a:tailEnd type="triangle"/>
+          </a:ln>
+        </p:spPr>
+        <p:style>
+          <a:lnRef idx="2">
+            <a:schemeClr val="accent1"/>
+          </a:lnRef>
+          <a:fillRef idx="0">
+            <a:schemeClr val="accent1"/>
+          </a:fillRef>
+          <a:effectRef idx="1">
+            <a:schemeClr val="accent1"/>
+          </a:effectRef>
+          <a:fontRef idx="minor">
+            <a:schemeClr val="tx1"/>
+          </a:fontRef>
+        </p:style>
+      </p:cxnSp>
+      <p:cxnSp>
+        <p:nvCxnSpPr>
+          <p:cNvPr id="107" name="Connecteur droit 106">
+            <a:extLst>
+              <a:ext uri="{FF2B5EF4-FFF2-40B4-BE49-F238E27FC236}">
+                <a16:creationId xmlns:a16="http://schemas.microsoft.com/office/drawing/2014/main" id="{51E27D2C-F333-371A-F505-F457C6996469}"/>
+              </a:ext>
+            </a:extLst>
+          </p:cNvPr>
+          <p:cNvCxnSpPr/>
+          <p:nvPr/>
+        </p:nvCxnSpPr>
+        <p:spPr>
+          <a:xfrm>
+            <a:off x="5407460" y="5748116"/>
+            <a:ext cx="480060" cy="0"/>
+          </a:xfrm>
+          <a:prstGeom prst="line">
+            <a:avLst/>
+          </a:prstGeom>
+          <a:ln>
+            <a:solidFill>
+              <a:schemeClr val="tx1"/>
+            </a:solidFill>
+          </a:ln>
+        </p:spPr>
+        <p:style>
+          <a:lnRef idx="2">
+            <a:schemeClr val="accent1"/>
+          </a:lnRef>
+          <a:fillRef idx="0">
+            <a:schemeClr val="accent1"/>
+          </a:fillRef>
+          <a:effectRef idx="1">
+            <a:schemeClr val="accent1"/>
+          </a:effectRef>
+          <a:fontRef idx="minor">
+            <a:schemeClr val="tx1"/>
+          </a:fontRef>
+        </p:style>
+      </p:cxnSp>
+      <p:cxnSp>
+        <p:nvCxnSpPr>
+          <p:cNvPr id="108" name="Connecteur droit avec flèche 107">
+            <a:extLst>
+              <a:ext uri="{FF2B5EF4-FFF2-40B4-BE49-F238E27FC236}">
+                <a16:creationId xmlns:a16="http://schemas.microsoft.com/office/drawing/2014/main" id="{3D9CF1CE-A59A-A615-27A4-11C30A3A5DF7}"/>
+              </a:ext>
+            </a:extLst>
+          </p:cNvPr>
+          <p:cNvCxnSpPr>
+            <a:cxnSpLocks/>
+          </p:cNvCxnSpPr>
+          <p:nvPr/>
+        </p:nvCxnSpPr>
+        <p:spPr>
+          <a:xfrm rot="10800000" flipV="1">
+            <a:off x="5246544" y="5918705"/>
+            <a:ext cx="0" cy="351182"/>
+          </a:xfrm>
+          <a:prstGeom prst="straightConnector1">
+            <a:avLst/>
+          </a:prstGeom>
+          <a:ln>
+            <a:tailEnd type="triangle"/>
+          </a:ln>
+        </p:spPr>
+        <p:style>
+          <a:lnRef idx="2">
+            <a:schemeClr val="accent1"/>
+          </a:lnRef>
+          <a:fillRef idx="0">
+            <a:schemeClr val="accent1"/>
+          </a:fillRef>
+          <a:effectRef idx="1">
+            <a:schemeClr val="accent1"/>
+          </a:effectRef>
+          <a:fontRef idx="minor">
+            <a:schemeClr val="tx1"/>
+          </a:fontRef>
+        </p:style>
+      </p:cxnSp>
+      <p:cxnSp>
+        <p:nvCxnSpPr>
+          <p:cNvPr id="109" name="Connecteur droit avec flèche 108">
+            <a:extLst>
+              <a:ext uri="{FF2B5EF4-FFF2-40B4-BE49-F238E27FC236}">
+                <a16:creationId xmlns:a16="http://schemas.microsoft.com/office/drawing/2014/main" id="{107B1CDD-866B-60AD-FE3B-D4FFEB885F35}"/>
+              </a:ext>
+            </a:extLst>
+          </p:cNvPr>
+          <p:cNvCxnSpPr>
+            <a:cxnSpLocks/>
+          </p:cNvCxnSpPr>
+          <p:nvPr/>
+        </p:nvCxnSpPr>
+        <p:spPr>
+          <a:xfrm flipV="1">
+            <a:off x="5115224" y="5918705"/>
+            <a:ext cx="0" cy="351182"/>
+          </a:xfrm>
+          <a:prstGeom prst="straightConnector1">
+            <a:avLst/>
+          </a:prstGeom>
+          <a:ln>
+            <a:tailEnd type="triangle"/>
+          </a:ln>
+        </p:spPr>
+        <p:style>
+          <a:lnRef idx="2">
+            <a:schemeClr val="accent1"/>
+          </a:lnRef>
+          <a:fillRef idx="0">
+            <a:schemeClr val="accent1"/>
+          </a:fillRef>
+          <a:effectRef idx="1">
+            <a:schemeClr val="accent1"/>
+          </a:effectRef>
+          <a:fontRef idx="minor">
+            <a:schemeClr val="tx1"/>
+          </a:fontRef>
+        </p:style>
+      </p:cxnSp>
+      <p:cxnSp>
+        <p:nvCxnSpPr>
+          <p:cNvPr id="110" name="Connecteur droit 109">
+            <a:extLst>
+              <a:ext uri="{FF2B5EF4-FFF2-40B4-BE49-F238E27FC236}">
+                <a16:creationId xmlns:a16="http://schemas.microsoft.com/office/drawing/2014/main" id="{347C5A52-5A8E-4278-5B22-1EF48D7F5A19}"/>
+              </a:ext>
+            </a:extLst>
+          </p:cNvPr>
+          <p:cNvCxnSpPr/>
+          <p:nvPr/>
+        </p:nvCxnSpPr>
+        <p:spPr>
+          <a:xfrm>
+            <a:off x="4509293" y="5748116"/>
+            <a:ext cx="480060" cy="0"/>
+          </a:xfrm>
+          <a:prstGeom prst="line">
+            <a:avLst/>
+          </a:prstGeom>
+          <a:ln>
+            <a:solidFill>
+              <a:schemeClr val="tx1"/>
+            </a:solidFill>
+          </a:ln>
+        </p:spPr>
+        <p:style>
+          <a:lnRef idx="2">
+            <a:schemeClr val="accent1"/>
+          </a:lnRef>
+          <a:fillRef idx="0">
+            <a:schemeClr val="accent1"/>
+          </a:fillRef>
+          <a:effectRef idx="1">
+            <a:schemeClr val="accent1"/>
+          </a:effectRef>
+          <a:fontRef idx="minor">
+            <a:schemeClr val="tx1"/>
+          </a:fontRef>
+        </p:style>
+      </p:cxnSp>
+      <p:cxnSp>
+        <p:nvCxnSpPr>
+          <p:cNvPr id="111" name="Connecteur droit avec flèche 110">
+            <a:extLst>
+              <a:ext uri="{FF2B5EF4-FFF2-40B4-BE49-F238E27FC236}">
+                <a16:creationId xmlns:a16="http://schemas.microsoft.com/office/drawing/2014/main" id="{D276681D-F518-9783-8762-40A65C55D28A}"/>
+              </a:ext>
+            </a:extLst>
+          </p:cNvPr>
+          <p:cNvCxnSpPr>
+            <a:cxnSpLocks/>
+          </p:cNvCxnSpPr>
+          <p:nvPr/>
+        </p:nvCxnSpPr>
+        <p:spPr>
+          <a:xfrm flipV="1">
+            <a:off x="5721122" y="5566810"/>
+            <a:ext cx="0" cy="351182"/>
+          </a:xfrm>
+          <a:prstGeom prst="straightConnector1">
+            <a:avLst/>
+          </a:prstGeom>
+          <a:ln>
+            <a:tailEnd type="triangle"/>
+          </a:ln>
+        </p:spPr>
+        <p:style>
+          <a:lnRef idx="2">
+            <a:schemeClr val="accent1"/>
+          </a:lnRef>
+          <a:fillRef idx="0">
+            <a:schemeClr val="accent1"/>
+          </a:fillRef>
+          <a:effectRef idx="1">
+            <a:schemeClr val="accent1"/>
+          </a:effectRef>
+          <a:fontRef idx="minor">
+            <a:schemeClr val="tx1"/>
+          </a:fontRef>
+        </p:style>
+      </p:cxnSp>
+      <p:cxnSp>
+        <p:nvCxnSpPr>
+          <p:cNvPr id="112" name="Connecteur droit avec flèche 111">
+            <a:extLst>
+              <a:ext uri="{FF2B5EF4-FFF2-40B4-BE49-F238E27FC236}">
+                <a16:creationId xmlns:a16="http://schemas.microsoft.com/office/drawing/2014/main" id="{44F93DCC-F117-C98A-ACD8-15A270A5F6FF}"/>
+              </a:ext>
+            </a:extLst>
+          </p:cNvPr>
+          <p:cNvCxnSpPr>
+            <a:cxnSpLocks/>
+          </p:cNvCxnSpPr>
+          <p:nvPr/>
+        </p:nvCxnSpPr>
+        <p:spPr>
+          <a:xfrm rot="10800000" flipV="1">
+            <a:off x="4778521" y="5617491"/>
+            <a:ext cx="0" cy="351182"/>
+          </a:xfrm>
+          <a:prstGeom prst="straightConnector1">
+            <a:avLst/>
+          </a:prstGeom>
+          <a:ln>
+            <a:tailEnd type="triangle"/>
+          </a:ln>
+        </p:spPr>
+        <p:style>
+          <a:lnRef idx="2">
+            <a:schemeClr val="accent1"/>
+          </a:lnRef>
+          <a:fillRef idx="0">
+            <a:schemeClr val="accent1"/>
+          </a:fillRef>
+          <a:effectRef idx="1">
+            <a:schemeClr val="accent1"/>
+          </a:effectRef>
+          <a:fontRef idx="minor">
+            <a:schemeClr val="tx1"/>
+          </a:fontRef>
+        </p:style>
+      </p:cxnSp>
+      <p:cxnSp>
+        <p:nvCxnSpPr>
+          <p:cNvPr id="113" name="Connecteur droit 112">
+            <a:extLst>
+              <a:ext uri="{FF2B5EF4-FFF2-40B4-BE49-F238E27FC236}">
+                <a16:creationId xmlns:a16="http://schemas.microsoft.com/office/drawing/2014/main" id="{5BB7A85F-6780-3ABC-F795-0EE4892324F3}"/>
+              </a:ext>
+            </a:extLst>
+          </p:cNvPr>
+          <p:cNvCxnSpPr>
+            <a:cxnSpLocks/>
+          </p:cNvCxnSpPr>
+          <p:nvPr/>
+        </p:nvCxnSpPr>
+        <p:spPr>
+          <a:xfrm>
+            <a:off x="4943068" y="6094296"/>
+            <a:ext cx="480060" cy="0"/>
+          </a:xfrm>
+          <a:prstGeom prst="line">
+            <a:avLst/>
+          </a:prstGeom>
+          <a:ln>
+            <a:solidFill>
+              <a:schemeClr val="tx1"/>
+            </a:solidFill>
+          </a:ln>
+        </p:spPr>
+        <p:style>
+          <a:lnRef idx="2">
+            <a:schemeClr val="accent1"/>
+          </a:lnRef>
+          <a:fillRef idx="0">
+            <a:schemeClr val="accent1"/>
+          </a:fillRef>
+          <a:effectRef idx="1">
+            <a:schemeClr val="accent1"/>
+          </a:effectRef>
+          <a:fontRef idx="minor">
+            <a:schemeClr val="tx1"/>
+          </a:fontRef>
+        </p:style>
+      </p:cxnSp>
+      <p:cxnSp>
+        <p:nvCxnSpPr>
+          <p:cNvPr id="114" name="Connecteur droit 113">
+            <a:extLst>
+              <a:ext uri="{FF2B5EF4-FFF2-40B4-BE49-F238E27FC236}">
+                <a16:creationId xmlns:a16="http://schemas.microsoft.com/office/drawing/2014/main" id="{C73176CF-0F0B-A00E-DB94-DD50CF8CCC48}"/>
+              </a:ext>
+            </a:extLst>
+          </p:cNvPr>
+          <p:cNvCxnSpPr/>
+          <p:nvPr/>
+        </p:nvCxnSpPr>
+        <p:spPr>
+          <a:xfrm>
+            <a:off x="4963786" y="5365054"/>
+            <a:ext cx="480060" cy="0"/>
+          </a:xfrm>
+          <a:prstGeom prst="line">
+            <a:avLst/>
+          </a:prstGeom>
+          <a:ln>
+            <a:solidFill>
+              <a:schemeClr val="tx1"/>
+            </a:solidFill>
           </a:ln>
         </p:spPr>
         <p:style>
@@ -8432,6 +11686,36 @@
     <p:extLst>
       <p:ext uri="{BB962C8B-B14F-4D97-AF65-F5344CB8AC3E}">
         <p14:creationId xmlns:p14="http://schemas.microsoft.com/office/powerpoint/2010/main" val="947528571"/>
+      </p:ext>
+    </p:extLst>
+  </p:cSld>
+  <p:clrMapOvr>
+    <a:masterClrMapping/>
+  </p:clrMapOvr>
+</p:sld>
+</file>
+
+<file path=ppt/slides/slide4.xml><?xml version="1.0" encoding="utf-8"?>
+<p:sld xmlns:a="http://schemas.openxmlformats.org/drawingml/2006/main" xmlns:r="http://schemas.openxmlformats.org/officeDocument/2006/relationships" xmlns:p="http://schemas.openxmlformats.org/presentationml/2006/main">
+  <p:cSld>
+    <p:spTree>
+      <p:nvGrpSpPr>
+        <p:cNvPr id="1" name=""/>
+        <p:cNvGrpSpPr/>
+        <p:nvPr/>
+      </p:nvGrpSpPr>
+      <p:grpSpPr>
+        <a:xfrm>
+          <a:off x="0" y="0"/>
+          <a:ext cx="0" cy="0"/>
+          <a:chOff x="0" y="0"/>
+          <a:chExt cx="0" cy="0"/>
+        </a:xfrm>
+      </p:grpSpPr>
+    </p:spTree>
+    <p:extLst>
+      <p:ext uri="{BB962C8B-B14F-4D97-AF65-F5344CB8AC3E}">
+        <p14:creationId xmlns:p14="http://schemas.microsoft.com/office/powerpoint/2010/main" val="1909080533"/>
       </p:ext>
     </p:extLst>
   </p:cSld>
